--- a/Tutorial.pptx
+++ b/Tutorial.pptx
@@ -14,12 +14,13 @@
     <p:sldId id="262" r:id="rId8"/>
     <p:sldId id="263" r:id="rId9"/>
     <p:sldId id="264" r:id="rId10"/>
-    <p:sldId id="265" r:id="rId11"/>
-    <p:sldId id="266" r:id="rId12"/>
-    <p:sldId id="267" r:id="rId13"/>
-    <p:sldId id="270" r:id="rId14"/>
+    <p:sldId id="270" r:id="rId11"/>
+    <p:sldId id="265" r:id="rId12"/>
+    <p:sldId id="266" r:id="rId13"/>
+    <p:sldId id="267" r:id="rId14"/>
     <p:sldId id="268" r:id="rId15"/>
     <p:sldId id="269" r:id="rId16"/>
+    <p:sldId id="271" r:id="rId17"/>
   </p:sldIdLst>
   <p:sldSz cx="12192000" cy="6858000"/>
   <p:notesSz cx="6858000" cy="9144000"/>
@@ -3052,6 +3053,144 @@
           <a:p>
             <a:r>
               <a:rPr lang="en-US" dirty="0" smtClean="0"/>
+              <a:t>Most typically used goals are available</a:t>
+            </a:r>
+            <a:endParaRPr lang="en-US" dirty="0"/>
+          </a:p>
+        </p:txBody>
+      </p:sp>
+      <p:pic>
+        <p:nvPicPr>
+          <p:cNvPr id="4" name="Picture 3"/>
+          <p:cNvPicPr>
+            <a:picLocks noChangeAspect="1"/>
+          </p:cNvPicPr>
+          <p:nvPr/>
+        </p:nvPicPr>
+        <p:blipFill>
+          <a:blip r:embed="rId2"/>
+          <a:stretch>
+            <a:fillRect/>
+          </a:stretch>
+        </p:blipFill>
+        <p:spPr>
+          <a:xfrm>
+            <a:off x="955933" y="1419082"/>
+            <a:ext cx="5028873" cy="5255837"/>
+          </a:xfrm>
+          <a:prstGeom prst="rect">
+            <a:avLst/>
+          </a:prstGeom>
+        </p:spPr>
+      </p:pic>
+      <p:sp>
+        <p:nvSpPr>
+          <p:cNvPr id="5" name="TextBox 4"/>
+          <p:cNvSpPr txBox="1"/>
+          <p:nvPr/>
+        </p:nvSpPr>
+        <p:spPr>
+          <a:xfrm>
+            <a:off x="6353707" y="2672560"/>
+            <a:ext cx="4224105" cy="1477328"/>
+          </a:xfrm>
+          <a:prstGeom prst="rect">
+            <a:avLst/>
+          </a:prstGeom>
+          <a:noFill/>
+        </p:spPr>
+        <p:txBody>
+          <a:bodyPr wrap="none" rtlCol="0">
+            <a:spAutoFit/>
+          </a:bodyPr>
+          <a:lstStyle/>
+          <a:p>
+            <a:r>
+              <a:rPr lang="en-US" dirty="0" smtClean="0"/>
+              <a:t>These files contain a lot more information</a:t>
+            </a:r>
+            <a:br>
+              <a:rPr lang="en-US" dirty="0" smtClean="0"/>
+            </a:br>
+            <a:r>
+              <a:rPr lang="en-US" dirty="0" smtClean="0"/>
+              <a:t>than the </a:t>
+            </a:r>
+            <a:r>
+              <a:rPr lang="en-US" dirty="0" err="1" smtClean="0"/>
+              <a:t>opensim</a:t>
+            </a:r>
+            <a:r>
+              <a:rPr lang="en-US" dirty="0" smtClean="0"/>
+              <a:t> documentation.</a:t>
+            </a:r>
+          </a:p>
+          <a:p>
+            <a:endParaRPr lang="en-US" dirty="0"/>
+          </a:p>
+          <a:p>
+            <a:r>
+              <a:rPr lang="en-US" dirty="0" smtClean="0"/>
+              <a:t>Including variables that allow you to access</a:t>
+            </a:r>
+            <a:br>
+              <a:rPr lang="en-US" dirty="0" smtClean="0"/>
+            </a:br>
+            <a:r>
+              <a:rPr lang="en-US" dirty="0" smtClean="0"/>
+              <a:t>lower level information about objects.</a:t>
+            </a:r>
+            <a:endParaRPr lang="en-US" dirty="0"/>
+          </a:p>
+        </p:txBody>
+      </p:sp>
+    </p:spTree>
+    <p:extLst>
+      <p:ext uri="{BB962C8B-B14F-4D97-AF65-F5344CB8AC3E}">
+        <p14:creationId xmlns:p14="http://schemas.microsoft.com/office/powerpoint/2010/main" val="2495767773"/>
+      </p:ext>
+    </p:extLst>
+  </p:cSld>
+  <p:clrMapOvr>
+    <a:masterClrMapping/>
+  </p:clrMapOvr>
+</p:sld>
+</file>
+
+<file path=ppt/slides/slide11.xml><?xml version="1.0" encoding="utf-8"?>
+<p:sld xmlns:a="http://schemas.openxmlformats.org/drawingml/2006/main" xmlns:r="http://schemas.openxmlformats.org/officeDocument/2006/relationships" xmlns:p="http://schemas.openxmlformats.org/presentationml/2006/main">
+  <p:cSld>
+    <p:spTree>
+      <p:nvGrpSpPr>
+        <p:cNvPr id="1" name=""/>
+        <p:cNvGrpSpPr/>
+        <p:nvPr/>
+      </p:nvGrpSpPr>
+      <p:grpSpPr>
+        <a:xfrm>
+          <a:off x="0" y="0"/>
+          <a:ext cx="0" cy="0"/>
+          <a:chOff x="0" y="0"/>
+          <a:chExt cx="0" cy="0"/>
+        </a:xfrm>
+      </p:grpSpPr>
+      <p:sp>
+        <p:nvSpPr>
+          <p:cNvPr id="2" name="Title 1"/>
+          <p:cNvSpPr>
+            <a:spLocks noGrp="1"/>
+          </p:cNvSpPr>
+          <p:nvPr>
+            <p:ph type="title"/>
+          </p:nvPr>
+        </p:nvSpPr>
+        <p:spPr/>
+        <p:txBody>
+          <a:bodyPr/>
+          <a:lstStyle/>
+          <a:p>
+            <a:r>
+              <a:rPr lang="en-US" dirty="0" smtClean="0"/>
               <a:t>Custom goals</a:t>
             </a:r>
             <a:endParaRPr lang="en-US" dirty="0"/>
@@ -3381,7 +3520,7 @@
 </p:sld>
 </file>
 
-<file path=ppt/slides/slide11.xml><?xml version="1.0" encoding="utf-8"?>
+<file path=ppt/slides/slide12.xml><?xml version="1.0" encoding="utf-8"?>
 <p:sld xmlns:a="http://schemas.openxmlformats.org/drawingml/2006/main" xmlns:r="http://schemas.openxmlformats.org/officeDocument/2006/relationships" xmlns:p="http://schemas.openxmlformats.org/presentationml/2006/main">
   <p:cSld>
     <p:spTree>
@@ -3874,131 +4013,6 @@
 </p:sld>
 </file>
 
-<file path=ppt/slides/slide12.xml><?xml version="1.0" encoding="utf-8"?>
-<p:sld xmlns:a="http://schemas.openxmlformats.org/drawingml/2006/main" xmlns:r="http://schemas.openxmlformats.org/officeDocument/2006/relationships" xmlns:p="http://schemas.openxmlformats.org/presentationml/2006/main">
-  <p:cSld>
-    <p:spTree>
-      <p:nvGrpSpPr>
-        <p:cNvPr id="1" name=""/>
-        <p:cNvGrpSpPr/>
-        <p:nvPr/>
-      </p:nvGrpSpPr>
-      <p:grpSpPr>
-        <a:xfrm>
-          <a:off x="0" y="0"/>
-          <a:ext cx="0" cy="0"/>
-          <a:chOff x="0" y="0"/>
-          <a:chExt cx="0" cy="0"/>
-        </a:xfrm>
-      </p:grpSpPr>
-      <p:sp>
-        <p:nvSpPr>
-          <p:cNvPr id="2" name="Title 1"/>
-          <p:cNvSpPr>
-            <a:spLocks noGrp="1"/>
-          </p:cNvSpPr>
-          <p:nvPr>
-            <p:ph type="title"/>
-          </p:nvPr>
-        </p:nvSpPr>
-        <p:spPr/>
-        <p:txBody>
-          <a:bodyPr/>
-          <a:lstStyle/>
-          <a:p>
-            <a:r>
-              <a:rPr lang="en-US" dirty="0" smtClean="0"/>
-              <a:t>Using the custom goal</a:t>
-            </a:r>
-            <a:endParaRPr lang="en-US" dirty="0"/>
-          </a:p>
-        </p:txBody>
-      </p:sp>
-      <p:pic>
-        <p:nvPicPr>
-          <p:cNvPr id="4" name="Picture 3"/>
-          <p:cNvPicPr>
-            <a:picLocks noChangeAspect="1"/>
-          </p:cNvPicPr>
-          <p:nvPr/>
-        </p:nvPicPr>
-        <p:blipFill>
-          <a:blip r:embed="rId2"/>
-          <a:stretch>
-            <a:fillRect/>
-          </a:stretch>
-        </p:blipFill>
-        <p:spPr>
-          <a:xfrm>
-            <a:off x="1073668" y="1621867"/>
-            <a:ext cx="3933948" cy="815735"/>
-          </a:xfrm>
-          <a:prstGeom prst="rect">
-            <a:avLst/>
-          </a:prstGeom>
-        </p:spPr>
-      </p:pic>
-      <p:sp>
-        <p:nvSpPr>
-          <p:cNvPr id="5" name="TextBox 4"/>
-          <p:cNvSpPr txBox="1"/>
-          <p:nvPr/>
-        </p:nvSpPr>
-        <p:spPr>
-          <a:xfrm>
-            <a:off x="1073668" y="2990440"/>
-            <a:ext cx="5759141" cy="923330"/>
-          </a:xfrm>
-          <a:prstGeom prst="rect">
-            <a:avLst/>
-          </a:prstGeom>
-          <a:noFill/>
-        </p:spPr>
-        <p:txBody>
-          <a:bodyPr wrap="none" rtlCol="0">
-            <a:spAutoFit/>
-          </a:bodyPr>
-          <a:lstStyle/>
-          <a:p>
-            <a:r>
-              <a:rPr lang="en-US" dirty="0" smtClean="0"/>
-              <a:t>Now the optimizer is trying to balance between two goals –</a:t>
-            </a:r>
-          </a:p>
-          <a:p>
-            <a:pPr marL="342900" indent="-342900">
-              <a:buAutoNum type="arabicPeriod"/>
-            </a:pPr>
-            <a:r>
-              <a:rPr lang="en-US" dirty="0" smtClean="0"/>
-              <a:t>Take the minimum time</a:t>
-            </a:r>
-          </a:p>
-          <a:p>
-            <a:pPr marL="342900" indent="-342900">
-              <a:buAutoNum type="arabicPeriod"/>
-            </a:pPr>
-            <a:r>
-              <a:rPr lang="en-US" dirty="0" smtClean="0"/>
-              <a:t>Use the smallest forces</a:t>
-            </a:r>
-            <a:endParaRPr lang="en-US" dirty="0"/>
-          </a:p>
-        </p:txBody>
-      </p:sp>
-    </p:spTree>
-    <p:extLst>
-      <p:ext uri="{BB962C8B-B14F-4D97-AF65-F5344CB8AC3E}">
-        <p14:creationId xmlns:p14="http://schemas.microsoft.com/office/powerpoint/2010/main" val="4032332146"/>
-      </p:ext>
-    </p:extLst>
-  </p:cSld>
-  <p:clrMapOvr>
-    <a:masterClrMapping/>
-  </p:clrMapOvr>
-</p:sld>
-</file>
-
 <file path=ppt/slides/slide13.xml><?xml version="1.0" encoding="utf-8"?>
 <p:sld xmlns:a="http://schemas.openxmlformats.org/drawingml/2006/main" xmlns:r="http://schemas.openxmlformats.org/officeDocument/2006/relationships" xmlns:p="http://schemas.openxmlformats.org/presentationml/2006/main">
   <p:cSld>
@@ -4033,7 +4047,7 @@
           <a:p>
             <a:r>
               <a:rPr lang="en-US" dirty="0" smtClean="0"/>
-              <a:t>Most typically used goals are available</a:t>
+              <a:t>Using the custom goal</a:t>
             </a:r>
             <a:endParaRPr lang="en-US" dirty="0"/>
           </a:p>
@@ -4055,18 +4069,66 @@
         </p:blipFill>
         <p:spPr>
           <a:xfrm>
-            <a:off x="955933" y="1419082"/>
-            <a:ext cx="5028873" cy="5255837"/>
+            <a:off x="1073668" y="1621867"/>
+            <a:ext cx="3933948" cy="815735"/>
           </a:xfrm>
           <a:prstGeom prst="rect">
             <a:avLst/>
           </a:prstGeom>
         </p:spPr>
       </p:pic>
+      <p:sp>
+        <p:nvSpPr>
+          <p:cNvPr id="5" name="TextBox 4"/>
+          <p:cNvSpPr txBox="1"/>
+          <p:nvPr/>
+        </p:nvSpPr>
+        <p:spPr>
+          <a:xfrm>
+            <a:off x="1073668" y="2990440"/>
+            <a:ext cx="5759141" cy="923330"/>
+          </a:xfrm>
+          <a:prstGeom prst="rect">
+            <a:avLst/>
+          </a:prstGeom>
+          <a:noFill/>
+        </p:spPr>
+        <p:txBody>
+          <a:bodyPr wrap="none" rtlCol="0">
+            <a:spAutoFit/>
+          </a:bodyPr>
+          <a:lstStyle/>
+          <a:p>
+            <a:r>
+              <a:rPr lang="en-US" dirty="0" smtClean="0"/>
+              <a:t>Now the optimizer is trying to balance between two goals –</a:t>
+            </a:r>
+          </a:p>
+          <a:p>
+            <a:pPr marL="342900" indent="-342900">
+              <a:buAutoNum type="arabicPeriod"/>
+            </a:pPr>
+            <a:r>
+              <a:rPr lang="en-US" dirty="0" smtClean="0"/>
+              <a:t>Take the minimum time</a:t>
+            </a:r>
+          </a:p>
+          <a:p>
+            <a:pPr marL="342900" indent="-342900">
+              <a:buAutoNum type="arabicPeriod"/>
+            </a:pPr>
+            <a:r>
+              <a:rPr lang="en-US" dirty="0" smtClean="0"/>
+              <a:t>Use the smallest forces</a:t>
+            </a:r>
+            <a:endParaRPr lang="en-US" dirty="0"/>
+          </a:p>
+        </p:txBody>
+      </p:sp>
     </p:spTree>
     <p:extLst>
       <p:ext uri="{BB962C8B-B14F-4D97-AF65-F5344CB8AC3E}">
-        <p14:creationId xmlns:p14="http://schemas.microsoft.com/office/powerpoint/2010/main" val="2495767773"/>
+        <p14:creationId xmlns:p14="http://schemas.microsoft.com/office/powerpoint/2010/main" val="4032332146"/>
       </p:ext>
     </p:extLst>
   </p:cSld>
@@ -4659,6 +4721,210 @@
 </p:sld>
 </file>
 
+<file path=ppt/slides/slide16.xml><?xml version="1.0" encoding="utf-8"?>
+<p:sld xmlns:a="http://schemas.openxmlformats.org/drawingml/2006/main" xmlns:r="http://schemas.openxmlformats.org/officeDocument/2006/relationships" xmlns:p="http://schemas.openxmlformats.org/presentationml/2006/main">
+  <p:cSld>
+    <p:spTree>
+      <p:nvGrpSpPr>
+        <p:cNvPr id="1" name=""/>
+        <p:cNvGrpSpPr/>
+        <p:nvPr/>
+      </p:nvGrpSpPr>
+      <p:grpSpPr>
+        <a:xfrm>
+          <a:off x="0" y="0"/>
+          <a:ext cx="0" cy="0"/>
+          <a:chOff x="0" y="0"/>
+          <a:chExt cx="0" cy="0"/>
+        </a:xfrm>
+      </p:grpSpPr>
+      <p:sp>
+        <p:nvSpPr>
+          <p:cNvPr id="2" name="Title 1"/>
+          <p:cNvSpPr>
+            <a:spLocks noGrp="1"/>
+          </p:cNvSpPr>
+          <p:nvPr>
+            <p:ph type="title"/>
+          </p:nvPr>
+        </p:nvSpPr>
+        <p:spPr/>
+        <p:txBody>
+          <a:bodyPr/>
+          <a:lstStyle/>
+          <a:p>
+            <a:r>
+              <a:rPr lang="en-US" dirty="0" smtClean="0"/>
+              <a:t>How do you access state information?</a:t>
+            </a:r>
+            <a:endParaRPr lang="en-US" dirty="0"/>
+          </a:p>
+        </p:txBody>
+      </p:sp>
+      <p:pic>
+        <p:nvPicPr>
+          <p:cNvPr id="4" name="Picture 3"/>
+          <p:cNvPicPr>
+            <a:picLocks noChangeAspect="1"/>
+          </p:cNvPicPr>
+          <p:nvPr/>
+        </p:nvPicPr>
+        <p:blipFill>
+          <a:blip r:embed="rId2"/>
+          <a:stretch>
+            <a:fillRect/>
+          </a:stretch>
+        </p:blipFill>
+        <p:spPr>
+          <a:xfrm>
+            <a:off x="6781167" y="3506916"/>
+            <a:ext cx="2589772" cy="2230649"/>
+          </a:xfrm>
+          <a:prstGeom prst="rect">
+            <a:avLst/>
+          </a:prstGeom>
+        </p:spPr>
+      </p:pic>
+      <p:pic>
+        <p:nvPicPr>
+          <p:cNvPr id="5" name="Picture 4"/>
+          <p:cNvPicPr>
+            <a:picLocks noChangeAspect="1"/>
+          </p:cNvPicPr>
+          <p:nvPr/>
+        </p:nvPicPr>
+        <p:blipFill>
+          <a:blip r:embed="rId3"/>
+          <a:stretch>
+            <a:fillRect/>
+          </a:stretch>
+        </p:blipFill>
+        <p:spPr>
+          <a:xfrm>
+            <a:off x="481073" y="1395535"/>
+            <a:ext cx="5028873" cy="5255837"/>
+          </a:xfrm>
+          <a:prstGeom prst="rect">
+            <a:avLst/>
+          </a:prstGeom>
+        </p:spPr>
+      </p:pic>
+      <p:sp>
+        <p:nvSpPr>
+          <p:cNvPr id="6" name="TextBox 5"/>
+          <p:cNvSpPr txBox="1"/>
+          <p:nvPr/>
+        </p:nvSpPr>
+        <p:spPr>
+          <a:xfrm>
+            <a:off x="6126089" y="1911214"/>
+            <a:ext cx="4224105" cy="1477328"/>
+          </a:xfrm>
+          <a:prstGeom prst="rect">
+            <a:avLst/>
+          </a:prstGeom>
+          <a:noFill/>
+        </p:spPr>
+        <p:txBody>
+          <a:bodyPr wrap="none" rtlCol="0">
+            <a:spAutoFit/>
+          </a:bodyPr>
+          <a:lstStyle/>
+          <a:p>
+            <a:r>
+              <a:rPr lang="en-US" dirty="0" smtClean="0"/>
+              <a:t>These files contain a lot more information</a:t>
+            </a:r>
+            <a:br>
+              <a:rPr lang="en-US" dirty="0" smtClean="0"/>
+            </a:br>
+            <a:r>
+              <a:rPr lang="en-US" dirty="0" smtClean="0"/>
+              <a:t>than the </a:t>
+            </a:r>
+            <a:r>
+              <a:rPr lang="en-US" dirty="0" err="1" smtClean="0"/>
+              <a:t>opensim</a:t>
+            </a:r>
+            <a:r>
+              <a:rPr lang="en-US" dirty="0" smtClean="0"/>
+              <a:t> documentation.</a:t>
+            </a:r>
+          </a:p>
+          <a:p>
+            <a:endParaRPr lang="en-US" dirty="0"/>
+          </a:p>
+          <a:p>
+            <a:r>
+              <a:rPr lang="en-US" dirty="0" smtClean="0"/>
+              <a:t>Including variables that allow you to access</a:t>
+            </a:r>
+            <a:br>
+              <a:rPr lang="en-US" dirty="0" smtClean="0"/>
+            </a:br>
+            <a:r>
+              <a:rPr lang="en-US" dirty="0" smtClean="0"/>
+              <a:t>lower level information about objects.</a:t>
+            </a:r>
+            <a:endParaRPr lang="en-US" dirty="0"/>
+          </a:p>
+        </p:txBody>
+      </p:sp>
+      <p:sp>
+        <p:nvSpPr>
+          <p:cNvPr id="7" name="Rectangle 6"/>
+          <p:cNvSpPr/>
+          <p:nvPr/>
+        </p:nvSpPr>
+        <p:spPr>
+          <a:xfrm>
+            <a:off x="7236711" y="4489586"/>
+            <a:ext cx="1809178" cy="109885"/>
+          </a:xfrm>
+          <a:prstGeom prst="rect">
+            <a:avLst/>
+          </a:prstGeom>
+          <a:noFill/>
+          <a:ln w="28575"/>
+        </p:spPr>
+        <p:style>
+          <a:lnRef idx="2">
+            <a:schemeClr val="accent1">
+              <a:shade val="50000"/>
+            </a:schemeClr>
+          </a:lnRef>
+          <a:fillRef idx="1">
+            <a:schemeClr val="accent1"/>
+          </a:fillRef>
+          <a:effectRef idx="0">
+            <a:schemeClr val="accent1"/>
+          </a:effectRef>
+          <a:fontRef idx="minor">
+            <a:schemeClr val="lt1"/>
+          </a:fontRef>
+        </p:style>
+        <p:txBody>
+          <a:bodyPr rtlCol="0" anchor="ctr"/>
+          <a:lstStyle/>
+          <a:p>
+            <a:pPr algn="ctr"/>
+            <a:endParaRPr lang="en-US"/>
+          </a:p>
+        </p:txBody>
+      </p:sp>
+    </p:spTree>
+    <p:extLst>
+      <p:ext uri="{BB962C8B-B14F-4D97-AF65-F5344CB8AC3E}">
+        <p14:creationId xmlns:p14="http://schemas.microsoft.com/office/powerpoint/2010/main" val="4139013668"/>
+      </p:ext>
+    </p:extLst>
+  </p:cSld>
+  <p:clrMapOvr>
+    <a:masterClrMapping/>
+  </p:clrMapOvr>
+</p:sld>
+</file>
+
 <file path=ppt/slides/slide2.xml><?xml version="1.0" encoding="utf-8"?>
 <p:sld xmlns:a="http://schemas.openxmlformats.org/drawingml/2006/main" xmlns:r="http://schemas.openxmlformats.org/officeDocument/2006/relationships" xmlns:p="http://schemas.openxmlformats.org/presentationml/2006/main">
   <p:cSld>
@@ -5406,7 +5672,15 @@
             </a:r>
             <a:r>
               <a:rPr lang="en-US" dirty="0" smtClean="0"/>
-              <a:t> to compile dependencies/header files.</a:t>
+              <a:t> to generate a “</a:t>
+            </a:r>
+            <a:r>
+              <a:rPr lang="en-US" dirty="0" err="1" smtClean="0"/>
+              <a:t>makefile</a:t>
+            </a:r>
+            <a:r>
+              <a:rPr lang="en-US" dirty="0" smtClean="0"/>
+              <a:t>”.</a:t>
             </a:r>
           </a:p>
           <a:p>
@@ -5624,7 +5898,7 @@
             </a:r>
             <a:r>
               <a:rPr lang="en-US" dirty="0" smtClean="0"/>
-              <a:t> example make file</a:t>
+              <a:t> example make list</a:t>
             </a:r>
             <a:endParaRPr lang="en-US" dirty="0"/>
           </a:p>

--- a/Tutorial.pptx
+++ b/Tutorial.pptx
@@ -11,16 +11,22 @@
     <p:sldId id="261" r:id="rId5"/>
     <p:sldId id="258" r:id="rId6"/>
     <p:sldId id="259" r:id="rId7"/>
-    <p:sldId id="262" r:id="rId8"/>
-    <p:sldId id="263" r:id="rId9"/>
-    <p:sldId id="264" r:id="rId10"/>
-    <p:sldId id="270" r:id="rId11"/>
-    <p:sldId id="265" r:id="rId12"/>
-    <p:sldId id="266" r:id="rId13"/>
-    <p:sldId id="267" r:id="rId14"/>
-    <p:sldId id="268" r:id="rId15"/>
-    <p:sldId id="269" r:id="rId16"/>
-    <p:sldId id="271" r:id="rId17"/>
+    <p:sldId id="272" r:id="rId8"/>
+    <p:sldId id="262" r:id="rId9"/>
+    <p:sldId id="263" r:id="rId10"/>
+    <p:sldId id="264" r:id="rId11"/>
+    <p:sldId id="270" r:id="rId12"/>
+    <p:sldId id="265" r:id="rId13"/>
+    <p:sldId id="266" r:id="rId14"/>
+    <p:sldId id="267" r:id="rId15"/>
+    <p:sldId id="268" r:id="rId16"/>
+    <p:sldId id="269" r:id="rId17"/>
+    <p:sldId id="271" r:id="rId18"/>
+    <p:sldId id="273" r:id="rId19"/>
+    <p:sldId id="275" r:id="rId20"/>
+    <p:sldId id="274" r:id="rId21"/>
+    <p:sldId id="276" r:id="rId22"/>
+    <p:sldId id="277" r:id="rId23"/>
   </p:sldIdLst>
   <p:sldSz cx="12192000" cy="6858000"/>
   <p:notesSz cx="6858000" cy="9144000"/>
@@ -119,6 +125,11 @@
       </a:defRPr>
     </a:lvl9pPr>
   </p:defaultTextStyle>
+  <p:extLst>
+    <p:ext uri="{EFAFB233-063F-42B5-8137-9DF3F51BA10A}">
+      <p15:sldGuideLst xmlns:p15="http://schemas.microsoft.com/office/powerpoint/2012/main"/>
+    </p:ext>
+  </p:extLst>
 </p:presentation>
 </file>
 
@@ -253,7 +264,7 @@
           <a:p>
             <a:fld id="{8114D70E-8A7F-4912-8768-3B6B5DD5A044}" type="datetimeFigureOut">
               <a:rPr lang="en-US" smtClean="0"/>
-              <a:t>10/20/2021</a:t>
+              <a:t>1/12/2022</a:t>
             </a:fld>
             <a:endParaRPr lang="en-US"/>
           </a:p>
@@ -423,7 +434,7 @@
           <a:p>
             <a:fld id="{8114D70E-8A7F-4912-8768-3B6B5DD5A044}" type="datetimeFigureOut">
               <a:rPr lang="en-US" smtClean="0"/>
-              <a:t>10/20/2021</a:t>
+              <a:t>1/12/2022</a:t>
             </a:fld>
             <a:endParaRPr lang="en-US"/>
           </a:p>
@@ -603,7 +614,7 @@
           <a:p>
             <a:fld id="{8114D70E-8A7F-4912-8768-3B6B5DD5A044}" type="datetimeFigureOut">
               <a:rPr lang="en-US" smtClean="0"/>
-              <a:t>10/20/2021</a:t>
+              <a:t>1/12/2022</a:t>
             </a:fld>
             <a:endParaRPr lang="en-US"/>
           </a:p>
@@ -773,7 +784,7 @@
           <a:p>
             <a:fld id="{8114D70E-8A7F-4912-8768-3B6B5DD5A044}" type="datetimeFigureOut">
               <a:rPr lang="en-US" smtClean="0"/>
-              <a:t>10/20/2021</a:t>
+              <a:t>1/12/2022</a:t>
             </a:fld>
             <a:endParaRPr lang="en-US"/>
           </a:p>
@@ -1019,7 +1030,7 @@
           <a:p>
             <a:fld id="{8114D70E-8A7F-4912-8768-3B6B5DD5A044}" type="datetimeFigureOut">
               <a:rPr lang="en-US" smtClean="0"/>
-              <a:t>10/20/2021</a:t>
+              <a:t>1/12/2022</a:t>
             </a:fld>
             <a:endParaRPr lang="en-US"/>
           </a:p>
@@ -1251,7 +1262,7 @@
           <a:p>
             <a:fld id="{8114D70E-8A7F-4912-8768-3B6B5DD5A044}" type="datetimeFigureOut">
               <a:rPr lang="en-US" smtClean="0"/>
-              <a:t>10/20/2021</a:t>
+              <a:t>1/12/2022</a:t>
             </a:fld>
             <a:endParaRPr lang="en-US"/>
           </a:p>
@@ -1618,7 +1629,7 @@
           <a:p>
             <a:fld id="{8114D70E-8A7F-4912-8768-3B6B5DD5A044}" type="datetimeFigureOut">
               <a:rPr lang="en-US" smtClean="0"/>
-              <a:t>10/20/2021</a:t>
+              <a:t>1/12/2022</a:t>
             </a:fld>
             <a:endParaRPr lang="en-US"/>
           </a:p>
@@ -1736,7 +1747,7 @@
           <a:p>
             <a:fld id="{8114D70E-8A7F-4912-8768-3B6B5DD5A044}" type="datetimeFigureOut">
               <a:rPr lang="en-US" smtClean="0"/>
-              <a:t>10/20/2021</a:t>
+              <a:t>1/12/2022</a:t>
             </a:fld>
             <a:endParaRPr lang="en-US"/>
           </a:p>
@@ -1831,7 +1842,7 @@
           <a:p>
             <a:fld id="{8114D70E-8A7F-4912-8768-3B6B5DD5A044}" type="datetimeFigureOut">
               <a:rPr lang="en-US" smtClean="0"/>
-              <a:t>10/20/2021</a:t>
+              <a:t>1/12/2022</a:t>
             </a:fld>
             <a:endParaRPr lang="en-US"/>
           </a:p>
@@ -2108,7 +2119,7 @@
           <a:p>
             <a:fld id="{8114D70E-8A7F-4912-8768-3B6B5DD5A044}" type="datetimeFigureOut">
               <a:rPr lang="en-US" smtClean="0"/>
-              <a:t>10/20/2021</a:t>
+              <a:t>1/12/2022</a:t>
             </a:fld>
             <a:endParaRPr lang="en-US"/>
           </a:p>
@@ -2361,7 +2372,7 @@
           <a:p>
             <a:fld id="{8114D70E-8A7F-4912-8768-3B6B5DD5A044}" type="datetimeFigureOut">
               <a:rPr lang="en-US" smtClean="0"/>
-              <a:t>10/20/2021</a:t>
+              <a:t>1/12/2022</a:t>
             </a:fld>
             <a:endParaRPr lang="en-US"/>
           </a:p>
@@ -2574,7 +2585,7 @@
           <a:p>
             <a:fld id="{8114D70E-8A7F-4912-8768-3B6B5DD5A044}" type="datetimeFigureOut">
               <a:rPr lang="en-US" smtClean="0"/>
-              <a:t>10/20/2021</a:t>
+              <a:t>1/12/2022</a:t>
             </a:fld>
             <a:endParaRPr lang="en-US"/>
           </a:p>
@@ -3053,7 +3064,7 @@
           <a:p>
             <a:r>
               <a:rPr lang="en-US" dirty="0" smtClean="0"/>
-              <a:t>Most typically used goals are available</a:t>
+              <a:t>Success?</a:t>
             </a:r>
             <a:endParaRPr lang="en-US" dirty="0"/>
           </a:p>
@@ -3061,11 +3072,13 @@
       </p:sp>
       <p:pic>
         <p:nvPicPr>
-          <p:cNvPr id="4" name="Picture 3"/>
+          <p:cNvPr id="4" name="Content Placeholder 3"/>
           <p:cNvPicPr>
-            <a:picLocks noChangeAspect="1"/>
+            <a:picLocks noGrp="1" noChangeAspect="1"/>
           </p:cNvPicPr>
-          <p:nvPr/>
+          <p:nvPr>
+            <p:ph idx="1"/>
+          </p:nvPr>
         </p:nvPicPr>
         <p:blipFill>
           <a:blip r:embed="rId2"/>
@@ -3075,79 +3088,18 @@
         </p:blipFill>
         <p:spPr>
           <a:xfrm>
-            <a:off x="955933" y="1419082"/>
-            <a:ext cx="5028873" cy="5255837"/>
+            <a:off x="838200" y="2251992"/>
+            <a:ext cx="10515600" cy="3498603"/>
           </a:xfrm>
           <a:prstGeom prst="rect">
             <a:avLst/>
           </a:prstGeom>
         </p:spPr>
       </p:pic>
-      <p:sp>
-        <p:nvSpPr>
-          <p:cNvPr id="5" name="TextBox 4"/>
-          <p:cNvSpPr txBox="1"/>
-          <p:nvPr/>
-        </p:nvSpPr>
-        <p:spPr>
-          <a:xfrm>
-            <a:off x="6353707" y="2672560"/>
-            <a:ext cx="4224105" cy="1477328"/>
-          </a:xfrm>
-          <a:prstGeom prst="rect">
-            <a:avLst/>
-          </a:prstGeom>
-          <a:noFill/>
-        </p:spPr>
-        <p:txBody>
-          <a:bodyPr wrap="none" rtlCol="0">
-            <a:spAutoFit/>
-          </a:bodyPr>
-          <a:lstStyle/>
-          <a:p>
-            <a:r>
-              <a:rPr lang="en-US" dirty="0" smtClean="0"/>
-              <a:t>These files contain a lot more information</a:t>
-            </a:r>
-            <a:br>
-              <a:rPr lang="en-US" dirty="0" smtClean="0"/>
-            </a:br>
-            <a:r>
-              <a:rPr lang="en-US" dirty="0" smtClean="0"/>
-              <a:t>than the </a:t>
-            </a:r>
-            <a:r>
-              <a:rPr lang="en-US" dirty="0" err="1" smtClean="0"/>
-              <a:t>opensim</a:t>
-            </a:r>
-            <a:r>
-              <a:rPr lang="en-US" dirty="0" smtClean="0"/>
-              <a:t> documentation.</a:t>
-            </a:r>
-          </a:p>
-          <a:p>
-            <a:endParaRPr lang="en-US" dirty="0"/>
-          </a:p>
-          <a:p>
-            <a:r>
-              <a:rPr lang="en-US" dirty="0" smtClean="0"/>
-              <a:t>Including variables that allow you to access</a:t>
-            </a:r>
-            <a:br>
-              <a:rPr lang="en-US" dirty="0" smtClean="0"/>
-            </a:br>
-            <a:r>
-              <a:rPr lang="en-US" dirty="0" smtClean="0"/>
-              <a:t>lower level information about objects.</a:t>
-            </a:r>
-            <a:endParaRPr lang="en-US" dirty="0"/>
-          </a:p>
-        </p:txBody>
-      </p:sp>
     </p:spTree>
     <p:extLst>
       <p:ext uri="{BB962C8B-B14F-4D97-AF65-F5344CB8AC3E}">
-        <p14:creationId xmlns:p14="http://schemas.microsoft.com/office/powerpoint/2010/main" val="2495767773"/>
+        <p14:creationId xmlns:p14="http://schemas.microsoft.com/office/powerpoint/2010/main" val="779062170"/>
       </p:ext>
     </p:extLst>
   </p:cSld>
@@ -3191,44 +3143,15 @@
           <a:p>
             <a:r>
               <a:rPr lang="en-US" dirty="0" smtClean="0"/>
-              <a:t>Custom goals</a:t>
+              <a:t>Most typically used goals are available</a:t>
             </a:r>
             <a:endParaRPr lang="en-US" dirty="0"/>
-          </a:p>
-        </p:txBody>
-      </p:sp>
-      <p:sp>
-        <p:nvSpPr>
-          <p:cNvPr id="4" name="TextBox 3"/>
-          <p:cNvSpPr txBox="1"/>
-          <p:nvPr/>
-        </p:nvSpPr>
-        <p:spPr>
-          <a:xfrm>
-            <a:off x="879081" y="1569786"/>
-            <a:ext cx="3403689" cy="369332"/>
-          </a:xfrm>
-          <a:prstGeom prst="rect">
-            <a:avLst/>
-          </a:prstGeom>
-          <a:noFill/>
-        </p:spPr>
-        <p:txBody>
-          <a:bodyPr wrap="none" rtlCol="0">
-            <a:spAutoFit/>
-          </a:bodyPr>
-          <a:lstStyle/>
-          <a:p>
-            <a:r>
-              <a:rPr lang="en-US" dirty="0" smtClean="0"/>
-              <a:t>exampleSlidingMassAdvanced.cpp</a:t>
-            </a:r>
           </a:p>
         </p:txBody>
       </p:sp>
       <p:pic>
         <p:nvPicPr>
-          <p:cNvPr id="5" name="Picture 4"/>
+          <p:cNvPr id="4" name="Picture 3"/>
           <p:cNvPicPr>
             <a:picLocks noChangeAspect="1"/>
           </p:cNvPicPr>
@@ -3242,8 +3165,8 @@
         </p:blipFill>
         <p:spPr>
           <a:xfrm>
-            <a:off x="944119" y="2376876"/>
-            <a:ext cx="4481203" cy="3203711"/>
+            <a:off x="955933" y="1419082"/>
+            <a:ext cx="5028873" cy="5255837"/>
           </a:xfrm>
           <a:prstGeom prst="rect">
             <a:avLst/>
@@ -3252,14 +3175,14 @@
       </p:pic>
       <p:sp>
         <p:nvSpPr>
-          <p:cNvPr id="6" name="TextBox 5"/>
+          <p:cNvPr id="5" name="TextBox 4"/>
           <p:cNvSpPr txBox="1"/>
           <p:nvPr/>
         </p:nvSpPr>
         <p:spPr>
           <a:xfrm>
-            <a:off x="5425322" y="2833245"/>
-            <a:ext cx="4601388" cy="369332"/>
+            <a:off x="6353707" y="2672560"/>
+            <a:ext cx="4224105" cy="1477328"/>
           </a:xfrm>
           <a:prstGeom prst="rect">
             <a:avLst/>
@@ -3274,234 +3197,38 @@
           <a:p>
             <a:r>
               <a:rPr lang="en-US" dirty="0" smtClean="0"/>
-              <a:t>Constructors: Make sure to use the right name.</a:t>
-            </a:r>
+              <a:t>These files contain a lot more information</a:t>
+            </a:r>
+            <a:br>
+              <a:rPr lang="en-US" dirty="0" smtClean="0"/>
+            </a:br>
+            <a:r>
+              <a:rPr lang="en-US" dirty="0" smtClean="0"/>
+              <a:t>than the </a:t>
+            </a:r>
+            <a:r>
+              <a:rPr lang="en-US" dirty="0" err="1" smtClean="0"/>
+              <a:t>opensim</a:t>
+            </a:r>
+            <a:r>
+              <a:rPr lang="en-US" dirty="0" smtClean="0"/>
+              <a:t> documentation.</a:t>
+            </a:r>
+          </a:p>
+          <a:p>
             <a:endParaRPr lang="en-US" dirty="0"/>
           </a:p>
-        </p:txBody>
-      </p:sp>
-      <p:sp>
-        <p:nvSpPr>
-          <p:cNvPr id="7" name="Rectangle 6"/>
-          <p:cNvSpPr/>
-          <p:nvPr/>
-        </p:nvSpPr>
-        <p:spPr>
-          <a:xfrm>
-            <a:off x="987288" y="2747124"/>
-            <a:ext cx="4330360" cy="651461"/>
-          </a:xfrm>
-          <a:prstGeom prst="rect">
-            <a:avLst/>
-          </a:prstGeom>
-          <a:noFill/>
-          <a:ln w="28575">
-            <a:solidFill>
-              <a:srgbClr val="FF0000"/>
-            </a:solidFill>
-          </a:ln>
-        </p:spPr>
-        <p:style>
-          <a:lnRef idx="2">
-            <a:schemeClr val="accent1">
-              <a:shade val="50000"/>
-            </a:schemeClr>
-          </a:lnRef>
-          <a:fillRef idx="1">
-            <a:schemeClr val="accent1"/>
-          </a:fillRef>
-          <a:effectRef idx="0">
-            <a:schemeClr val="accent1"/>
-          </a:effectRef>
-          <a:fontRef idx="minor">
-            <a:schemeClr val="lt1"/>
-          </a:fontRef>
-        </p:style>
-        <p:txBody>
-          <a:bodyPr rtlCol="0" anchor="ctr"/>
-          <a:lstStyle/>
-          <a:p>
-            <a:pPr algn="ctr"/>
-            <a:endParaRPr lang="en-US"/>
-          </a:p>
-        </p:txBody>
-      </p:sp>
-      <p:sp>
-        <p:nvSpPr>
-          <p:cNvPr id="9" name="Rectangle 8"/>
-          <p:cNvSpPr/>
-          <p:nvPr/>
-        </p:nvSpPr>
-        <p:spPr>
-          <a:xfrm>
-            <a:off x="1446450" y="3970228"/>
-            <a:ext cx="1300674" cy="150459"/>
-          </a:xfrm>
-          <a:prstGeom prst="rect">
-            <a:avLst/>
-          </a:prstGeom>
-          <a:noFill/>
-          <a:ln w="28575">
-            <a:solidFill>
-              <a:schemeClr val="accent1">
-                <a:lumMod val="50000"/>
-              </a:schemeClr>
-            </a:solidFill>
-          </a:ln>
-        </p:spPr>
-        <p:style>
-          <a:lnRef idx="2">
-            <a:schemeClr val="accent1">
-              <a:shade val="50000"/>
-            </a:schemeClr>
-          </a:lnRef>
-          <a:fillRef idx="1">
-            <a:schemeClr val="accent1"/>
-          </a:fillRef>
-          <a:effectRef idx="0">
-            <a:schemeClr val="accent1"/>
-          </a:effectRef>
-          <a:fontRef idx="minor">
-            <a:schemeClr val="lt1"/>
-          </a:fontRef>
-        </p:style>
-        <p:txBody>
-          <a:bodyPr rtlCol="0" anchor="ctr"/>
-          <a:lstStyle/>
-          <a:p>
-            <a:pPr algn="ctr"/>
-            <a:endParaRPr lang="en-US"/>
-          </a:p>
-        </p:txBody>
-      </p:sp>
-      <p:pic>
-        <p:nvPicPr>
-          <p:cNvPr id="11" name="Picture 10"/>
-          <p:cNvPicPr>
-            <a:picLocks noChangeAspect="1"/>
-          </p:cNvPicPr>
-          <p:nvPr/>
-        </p:nvPicPr>
-        <p:blipFill>
-          <a:blip r:embed="rId3"/>
-          <a:stretch>
-            <a:fillRect/>
-          </a:stretch>
-        </p:blipFill>
-        <p:spPr>
-          <a:xfrm>
-            <a:off x="5495963" y="3753203"/>
-            <a:ext cx="4968390" cy="595191"/>
-          </a:xfrm>
-          <a:prstGeom prst="rect">
-            <a:avLst/>
-          </a:prstGeom>
-        </p:spPr>
-      </p:pic>
-      <p:cxnSp>
-        <p:nvCxnSpPr>
-          <p:cNvPr id="13" name="Straight Arrow Connector 12"/>
-          <p:cNvCxnSpPr/>
-          <p:nvPr/>
-        </p:nvCxnSpPr>
-        <p:spPr>
-          <a:xfrm>
-            <a:off x="2817765" y="4045457"/>
-            <a:ext cx="2668635" cy="0"/>
-          </a:xfrm>
-          <a:prstGeom prst="straightConnector1">
-            <a:avLst/>
-          </a:prstGeom>
-          <a:ln>
-            <a:tailEnd type="triangle"/>
-          </a:ln>
-        </p:spPr>
-        <p:style>
-          <a:lnRef idx="1">
-            <a:schemeClr val="accent1"/>
-          </a:lnRef>
-          <a:fillRef idx="0">
-            <a:schemeClr val="accent1"/>
-          </a:fillRef>
-          <a:effectRef idx="0">
-            <a:schemeClr val="accent1"/>
-          </a:effectRef>
-          <a:fontRef idx="minor">
-            <a:schemeClr val="tx1"/>
-          </a:fontRef>
-        </p:style>
-      </p:cxnSp>
-      <p:sp>
-        <p:nvSpPr>
-          <p:cNvPr id="14" name="TextBox 13"/>
-          <p:cNvSpPr txBox="1"/>
-          <p:nvPr/>
-        </p:nvSpPr>
-        <p:spPr>
-          <a:xfrm>
-            <a:off x="5486400" y="4407173"/>
-            <a:ext cx="4166269" cy="923330"/>
-          </a:xfrm>
-          <a:prstGeom prst="rect">
-            <a:avLst/>
-          </a:prstGeom>
-          <a:noFill/>
-        </p:spPr>
-        <p:txBody>
-          <a:bodyPr wrap="none" rtlCol="0">
-            <a:spAutoFit/>
-          </a:bodyPr>
-          <a:lstStyle/>
-          <a:p>
-            <a:r>
-              <a:rPr lang="en-US" dirty="0" err="1" smtClean="0"/>
-              <a:t>numIntegrals</a:t>
-            </a:r>
-            <a:r>
-              <a:rPr lang="en-US" dirty="0" smtClean="0"/>
-              <a:t> is either 0 or 1</a:t>
-            </a:r>
-          </a:p>
-          <a:p>
-            <a:r>
-              <a:rPr lang="en-US" dirty="0" smtClean="0"/>
-              <a:t>This tells the code to expect one integrand</a:t>
-            </a:r>
-          </a:p>
-          <a:p>
-            <a:r>
-              <a:rPr lang="en-US" dirty="0" smtClean="0"/>
-              <a:t>and to produce 1 integral as a result.</a:t>
-            </a:r>
-            <a:endParaRPr lang="en-US" dirty="0"/>
-          </a:p>
-        </p:txBody>
-      </p:sp>
-      <p:sp>
-        <p:nvSpPr>
-          <p:cNvPr id="15" name="TextBox 14"/>
-          <p:cNvSpPr txBox="1"/>
-          <p:nvPr/>
-        </p:nvSpPr>
-        <p:spPr>
-          <a:xfrm>
-            <a:off x="883041" y="2007086"/>
-            <a:ext cx="2654701" cy="369332"/>
-          </a:xfrm>
-          <a:prstGeom prst="rect">
-            <a:avLst/>
-          </a:prstGeom>
-          <a:noFill/>
-        </p:spPr>
-        <p:txBody>
-          <a:bodyPr wrap="none" rtlCol="0">
-            <a:spAutoFit/>
-          </a:bodyPr>
-          <a:lstStyle/>
-          <a:p>
-            <a:r>
-              <a:rPr lang="en-US" dirty="0" smtClean="0"/>
-              <a:t>These parts are REQUIRED</a:t>
+          <a:p>
+            <a:r>
+              <a:rPr lang="en-US" dirty="0" smtClean="0"/>
+              <a:t>Including variables that allow you to access</a:t>
+            </a:r>
+            <a:br>
+              <a:rPr lang="en-US" dirty="0" smtClean="0"/>
+            </a:br>
+            <a:r>
+              <a:rPr lang="en-US" dirty="0" smtClean="0"/>
+              <a:t>lower level information about objects.</a:t>
             </a:r>
             <a:endParaRPr lang="en-US" dirty="0"/>
           </a:p>
@@ -3510,7 +3237,7 @@
     </p:spTree>
     <p:extLst>
       <p:ext uri="{BB962C8B-B14F-4D97-AF65-F5344CB8AC3E}">
-        <p14:creationId xmlns:p14="http://schemas.microsoft.com/office/powerpoint/2010/main" val="1643750895"/>
+        <p14:creationId xmlns:p14="http://schemas.microsoft.com/office/powerpoint/2010/main" val="2495767773"/>
       </p:ext>
     </p:extLst>
   </p:cSld>
@@ -3615,14 +3342,44 @@
       </p:pic>
       <p:sp>
         <p:nvSpPr>
+          <p:cNvPr id="6" name="TextBox 5"/>
+          <p:cNvSpPr txBox="1"/>
+          <p:nvPr/>
+        </p:nvSpPr>
+        <p:spPr>
+          <a:xfrm>
+            <a:off x="5425322" y="2833245"/>
+            <a:ext cx="4601388" cy="369332"/>
+          </a:xfrm>
+          <a:prstGeom prst="rect">
+            <a:avLst/>
+          </a:prstGeom>
+          <a:noFill/>
+        </p:spPr>
+        <p:txBody>
+          <a:bodyPr wrap="none" rtlCol="0">
+            <a:spAutoFit/>
+          </a:bodyPr>
+          <a:lstStyle/>
+          <a:p>
+            <a:r>
+              <a:rPr lang="en-US" dirty="0" smtClean="0"/>
+              <a:t>Constructors: Make sure to use the right name.</a:t>
+            </a:r>
+            <a:endParaRPr lang="en-US" dirty="0"/>
+          </a:p>
+        </p:txBody>
+      </p:sp>
+      <p:sp>
+        <p:nvSpPr>
           <p:cNvPr id="7" name="Rectangle 6"/>
           <p:cNvSpPr/>
           <p:nvPr/>
         </p:nvSpPr>
         <p:spPr>
           <a:xfrm>
-            <a:off x="1019540" y="4199175"/>
-            <a:ext cx="4364824" cy="733876"/>
+            <a:off x="987288" y="2747124"/>
+            <a:ext cx="4330360" cy="651461"/>
           </a:xfrm>
           <a:prstGeom prst="rect">
             <a:avLst/>
@@ -3659,6 +3416,78 @@
           </a:p>
         </p:txBody>
       </p:sp>
+      <p:sp>
+        <p:nvSpPr>
+          <p:cNvPr id="9" name="Rectangle 8"/>
+          <p:cNvSpPr/>
+          <p:nvPr/>
+        </p:nvSpPr>
+        <p:spPr>
+          <a:xfrm>
+            <a:off x="1446450" y="3970228"/>
+            <a:ext cx="1300674" cy="150459"/>
+          </a:xfrm>
+          <a:prstGeom prst="rect">
+            <a:avLst/>
+          </a:prstGeom>
+          <a:noFill/>
+          <a:ln w="28575">
+            <a:solidFill>
+              <a:schemeClr val="accent1">
+                <a:lumMod val="50000"/>
+              </a:schemeClr>
+            </a:solidFill>
+          </a:ln>
+        </p:spPr>
+        <p:style>
+          <a:lnRef idx="2">
+            <a:schemeClr val="accent1">
+              <a:shade val="50000"/>
+            </a:schemeClr>
+          </a:lnRef>
+          <a:fillRef idx="1">
+            <a:schemeClr val="accent1"/>
+          </a:fillRef>
+          <a:effectRef idx="0">
+            <a:schemeClr val="accent1"/>
+          </a:effectRef>
+          <a:fontRef idx="minor">
+            <a:schemeClr val="lt1"/>
+          </a:fontRef>
+        </p:style>
+        <p:txBody>
+          <a:bodyPr rtlCol="0" anchor="ctr"/>
+          <a:lstStyle/>
+          <a:p>
+            <a:pPr algn="ctr"/>
+            <a:endParaRPr lang="en-US"/>
+          </a:p>
+        </p:txBody>
+      </p:sp>
+      <p:pic>
+        <p:nvPicPr>
+          <p:cNvPr id="11" name="Picture 10"/>
+          <p:cNvPicPr>
+            <a:picLocks noChangeAspect="1"/>
+          </p:cNvPicPr>
+          <p:nvPr/>
+        </p:nvPicPr>
+        <p:blipFill>
+          <a:blip r:embed="rId3"/>
+          <a:stretch>
+            <a:fillRect/>
+          </a:stretch>
+        </p:blipFill>
+        <p:spPr>
+          <a:xfrm>
+            <a:off x="5495963" y="3753203"/>
+            <a:ext cx="4968390" cy="595191"/>
+          </a:xfrm>
+          <a:prstGeom prst="rect">
+            <a:avLst/>
+          </a:prstGeom>
+        </p:spPr>
+      </p:pic>
       <p:cxnSp>
         <p:nvCxnSpPr>
           <p:cNvPr id="13" name="Straight Arrow Connector 12"/>
@@ -3666,9 +3495,9 @@
           <p:nvPr/>
         </p:nvCxnSpPr>
         <p:spPr>
-          <a:xfrm flipV="1">
-            <a:off x="5425322" y="4626942"/>
-            <a:ext cx="692917" cy="1964"/>
+          <a:xfrm>
+            <a:off x="2817765" y="4045457"/>
+            <a:ext cx="2668635" cy="0"/>
           </a:xfrm>
           <a:prstGeom prst="straightConnector1">
             <a:avLst/>
@@ -3692,8 +3521,269 @@
           </a:fontRef>
         </p:style>
       </p:cxnSp>
-      <mc:AlternateContent xmlns:mc="http://schemas.openxmlformats.org/markup-compatibility/2006">
-        <mc:Choice xmlns:a14="http://schemas.microsoft.com/office/drawing/2010/main" Requires="a14">
+      <p:sp>
+        <p:nvSpPr>
+          <p:cNvPr id="14" name="TextBox 13"/>
+          <p:cNvSpPr txBox="1"/>
+          <p:nvPr/>
+        </p:nvSpPr>
+        <p:spPr>
+          <a:xfrm>
+            <a:off x="5486400" y="4407173"/>
+            <a:ext cx="4166269" cy="923330"/>
+          </a:xfrm>
+          <a:prstGeom prst="rect">
+            <a:avLst/>
+          </a:prstGeom>
+          <a:noFill/>
+        </p:spPr>
+        <p:txBody>
+          <a:bodyPr wrap="none" rtlCol="0">
+            <a:spAutoFit/>
+          </a:bodyPr>
+          <a:lstStyle/>
+          <a:p>
+            <a:r>
+              <a:rPr lang="en-US" dirty="0" err="1" smtClean="0"/>
+              <a:t>numIntegrals</a:t>
+            </a:r>
+            <a:r>
+              <a:rPr lang="en-US" dirty="0" smtClean="0"/>
+              <a:t> is either 0 or 1</a:t>
+            </a:r>
+          </a:p>
+          <a:p>
+            <a:r>
+              <a:rPr lang="en-US" dirty="0" smtClean="0"/>
+              <a:t>This tells the code to expect one integrand</a:t>
+            </a:r>
+          </a:p>
+          <a:p>
+            <a:r>
+              <a:rPr lang="en-US" dirty="0" smtClean="0"/>
+              <a:t>and to produce 1 integral as a result.</a:t>
+            </a:r>
+            <a:endParaRPr lang="en-US" dirty="0"/>
+          </a:p>
+        </p:txBody>
+      </p:sp>
+      <p:sp>
+        <p:nvSpPr>
+          <p:cNvPr id="15" name="TextBox 14"/>
+          <p:cNvSpPr txBox="1"/>
+          <p:nvPr/>
+        </p:nvSpPr>
+        <p:spPr>
+          <a:xfrm>
+            <a:off x="883041" y="2007086"/>
+            <a:ext cx="2654701" cy="369332"/>
+          </a:xfrm>
+          <a:prstGeom prst="rect">
+            <a:avLst/>
+          </a:prstGeom>
+          <a:noFill/>
+        </p:spPr>
+        <p:txBody>
+          <a:bodyPr wrap="none" rtlCol="0">
+            <a:spAutoFit/>
+          </a:bodyPr>
+          <a:lstStyle/>
+          <a:p>
+            <a:r>
+              <a:rPr lang="en-US" dirty="0" smtClean="0"/>
+              <a:t>These parts are REQUIRED</a:t>
+            </a:r>
+            <a:endParaRPr lang="en-US" dirty="0"/>
+          </a:p>
+        </p:txBody>
+      </p:sp>
+    </p:spTree>
+    <p:extLst>
+      <p:ext uri="{BB962C8B-B14F-4D97-AF65-F5344CB8AC3E}">
+        <p14:creationId xmlns:p14="http://schemas.microsoft.com/office/powerpoint/2010/main" val="1643750895"/>
+      </p:ext>
+    </p:extLst>
+  </p:cSld>
+  <p:clrMapOvr>
+    <a:masterClrMapping/>
+  </p:clrMapOvr>
+</p:sld>
+</file>
+
+<file path=ppt/slides/slide13.xml><?xml version="1.0" encoding="utf-8"?>
+<p:sld xmlns:a="http://schemas.openxmlformats.org/drawingml/2006/main" xmlns:r="http://schemas.openxmlformats.org/officeDocument/2006/relationships" xmlns:p="http://schemas.openxmlformats.org/presentationml/2006/main">
+  <p:cSld>
+    <p:spTree>
+      <p:nvGrpSpPr>
+        <p:cNvPr id="1" name=""/>
+        <p:cNvGrpSpPr/>
+        <p:nvPr/>
+      </p:nvGrpSpPr>
+      <p:grpSpPr>
+        <a:xfrm>
+          <a:off x="0" y="0"/>
+          <a:ext cx="0" cy="0"/>
+          <a:chOff x="0" y="0"/>
+          <a:chExt cx="0" cy="0"/>
+        </a:xfrm>
+      </p:grpSpPr>
+      <p:sp>
+        <p:nvSpPr>
+          <p:cNvPr id="2" name="Title 1"/>
+          <p:cNvSpPr>
+            <a:spLocks noGrp="1"/>
+          </p:cNvSpPr>
+          <p:nvPr>
+            <p:ph type="title"/>
+          </p:nvPr>
+        </p:nvSpPr>
+        <p:spPr/>
+        <p:txBody>
+          <a:bodyPr/>
+          <a:lstStyle/>
+          <a:p>
+            <a:r>
+              <a:rPr lang="en-US" dirty="0" smtClean="0"/>
+              <a:t>Custom goals</a:t>
+            </a:r>
+            <a:endParaRPr lang="en-US" dirty="0"/>
+          </a:p>
+        </p:txBody>
+      </p:sp>
+      <p:sp>
+        <p:nvSpPr>
+          <p:cNvPr id="4" name="TextBox 3"/>
+          <p:cNvSpPr txBox="1"/>
+          <p:nvPr/>
+        </p:nvSpPr>
+        <p:spPr>
+          <a:xfrm>
+            <a:off x="879081" y="1569786"/>
+            <a:ext cx="3403689" cy="369332"/>
+          </a:xfrm>
+          <a:prstGeom prst="rect">
+            <a:avLst/>
+          </a:prstGeom>
+          <a:noFill/>
+        </p:spPr>
+        <p:txBody>
+          <a:bodyPr wrap="none" rtlCol="0">
+            <a:spAutoFit/>
+          </a:bodyPr>
+          <a:lstStyle/>
+          <a:p>
+            <a:r>
+              <a:rPr lang="en-US" dirty="0" smtClean="0"/>
+              <a:t>exampleSlidingMassAdvanced.cpp</a:t>
+            </a:r>
+          </a:p>
+        </p:txBody>
+      </p:sp>
+      <p:pic>
+        <p:nvPicPr>
+          <p:cNvPr id="5" name="Picture 4"/>
+          <p:cNvPicPr>
+            <a:picLocks noChangeAspect="1"/>
+          </p:cNvPicPr>
+          <p:nvPr/>
+        </p:nvPicPr>
+        <p:blipFill>
+          <a:blip r:embed="rId2"/>
+          <a:stretch>
+            <a:fillRect/>
+          </a:stretch>
+        </p:blipFill>
+        <p:spPr>
+          <a:xfrm>
+            <a:off x="944119" y="2376876"/>
+            <a:ext cx="4481203" cy="3203711"/>
+          </a:xfrm>
+          <a:prstGeom prst="rect">
+            <a:avLst/>
+          </a:prstGeom>
+        </p:spPr>
+      </p:pic>
+      <p:sp>
+        <p:nvSpPr>
+          <p:cNvPr id="7" name="Rectangle 6"/>
+          <p:cNvSpPr/>
+          <p:nvPr/>
+        </p:nvSpPr>
+        <p:spPr>
+          <a:xfrm>
+            <a:off x="1019540" y="4199175"/>
+            <a:ext cx="4364824" cy="733876"/>
+          </a:xfrm>
+          <a:prstGeom prst="rect">
+            <a:avLst/>
+          </a:prstGeom>
+          <a:noFill/>
+          <a:ln w="28575">
+            <a:solidFill>
+              <a:srgbClr val="FF0000"/>
+            </a:solidFill>
+          </a:ln>
+        </p:spPr>
+        <p:style>
+          <a:lnRef idx="2">
+            <a:schemeClr val="accent1">
+              <a:shade val="50000"/>
+            </a:schemeClr>
+          </a:lnRef>
+          <a:fillRef idx="1">
+            <a:schemeClr val="accent1"/>
+          </a:fillRef>
+          <a:effectRef idx="0">
+            <a:schemeClr val="accent1"/>
+          </a:effectRef>
+          <a:fontRef idx="minor">
+            <a:schemeClr val="lt1"/>
+          </a:fontRef>
+        </p:style>
+        <p:txBody>
+          <a:bodyPr rtlCol="0" anchor="ctr"/>
+          <a:lstStyle/>
+          <a:p>
+            <a:pPr algn="ctr"/>
+            <a:endParaRPr lang="en-US"/>
+          </a:p>
+        </p:txBody>
+      </p:sp>
+      <p:cxnSp>
+        <p:nvCxnSpPr>
+          <p:cNvPr id="13" name="Straight Arrow Connector 12"/>
+          <p:cNvCxnSpPr/>
+          <p:nvPr/>
+        </p:nvCxnSpPr>
+        <p:spPr>
+          <a:xfrm flipV="1">
+            <a:off x="5425322" y="4626942"/>
+            <a:ext cx="692917" cy="1964"/>
+          </a:xfrm>
+          <a:prstGeom prst="straightConnector1">
+            <a:avLst/>
+          </a:prstGeom>
+          <a:ln>
+            <a:tailEnd type="triangle"/>
+          </a:ln>
+        </p:spPr>
+        <p:style>
+          <a:lnRef idx="1">
+            <a:schemeClr val="accent1"/>
+          </a:lnRef>
+          <a:fillRef idx="0">
+            <a:schemeClr val="accent1"/>
+          </a:fillRef>
+          <a:effectRef idx="0">
+            <a:schemeClr val="accent1"/>
+          </a:effectRef>
+          <a:fontRef idx="minor">
+            <a:schemeClr val="tx1"/>
+          </a:fontRef>
+        </p:style>
+      </p:cxnSp>
+      <mc:AlternateContent xmlns:mc="http://schemas.openxmlformats.org/markup-compatibility/2006" xmlns:a14="http://schemas.microsoft.com/office/drawing/2010/main">
+        <mc:Choice Requires="a14">
           <p:sp>
             <p:nvSpPr>
               <p:cNvPr id="14" name="TextBox 13"/>
@@ -3851,7 +3941,7 @@
             </p:txBody>
           </p:sp>
         </mc:Choice>
-        <mc:Fallback>
+        <mc:Fallback xmlns="">
           <p:sp>
             <p:nvSpPr>
               <p:cNvPr id="14" name="TextBox 13"/>
@@ -4013,131 +4103,6 @@
 </p:sld>
 </file>
 
-<file path=ppt/slides/slide13.xml><?xml version="1.0" encoding="utf-8"?>
-<p:sld xmlns:a="http://schemas.openxmlformats.org/drawingml/2006/main" xmlns:r="http://schemas.openxmlformats.org/officeDocument/2006/relationships" xmlns:p="http://schemas.openxmlformats.org/presentationml/2006/main">
-  <p:cSld>
-    <p:spTree>
-      <p:nvGrpSpPr>
-        <p:cNvPr id="1" name=""/>
-        <p:cNvGrpSpPr/>
-        <p:nvPr/>
-      </p:nvGrpSpPr>
-      <p:grpSpPr>
-        <a:xfrm>
-          <a:off x="0" y="0"/>
-          <a:ext cx="0" cy="0"/>
-          <a:chOff x="0" y="0"/>
-          <a:chExt cx="0" cy="0"/>
-        </a:xfrm>
-      </p:grpSpPr>
-      <p:sp>
-        <p:nvSpPr>
-          <p:cNvPr id="2" name="Title 1"/>
-          <p:cNvSpPr>
-            <a:spLocks noGrp="1"/>
-          </p:cNvSpPr>
-          <p:nvPr>
-            <p:ph type="title"/>
-          </p:nvPr>
-        </p:nvSpPr>
-        <p:spPr/>
-        <p:txBody>
-          <a:bodyPr/>
-          <a:lstStyle/>
-          <a:p>
-            <a:r>
-              <a:rPr lang="en-US" dirty="0" smtClean="0"/>
-              <a:t>Using the custom goal</a:t>
-            </a:r>
-            <a:endParaRPr lang="en-US" dirty="0"/>
-          </a:p>
-        </p:txBody>
-      </p:sp>
-      <p:pic>
-        <p:nvPicPr>
-          <p:cNvPr id="4" name="Picture 3"/>
-          <p:cNvPicPr>
-            <a:picLocks noChangeAspect="1"/>
-          </p:cNvPicPr>
-          <p:nvPr/>
-        </p:nvPicPr>
-        <p:blipFill>
-          <a:blip r:embed="rId2"/>
-          <a:stretch>
-            <a:fillRect/>
-          </a:stretch>
-        </p:blipFill>
-        <p:spPr>
-          <a:xfrm>
-            <a:off x="1073668" y="1621867"/>
-            <a:ext cx="3933948" cy="815735"/>
-          </a:xfrm>
-          <a:prstGeom prst="rect">
-            <a:avLst/>
-          </a:prstGeom>
-        </p:spPr>
-      </p:pic>
-      <p:sp>
-        <p:nvSpPr>
-          <p:cNvPr id="5" name="TextBox 4"/>
-          <p:cNvSpPr txBox="1"/>
-          <p:nvPr/>
-        </p:nvSpPr>
-        <p:spPr>
-          <a:xfrm>
-            <a:off x="1073668" y="2990440"/>
-            <a:ext cx="5759141" cy="923330"/>
-          </a:xfrm>
-          <a:prstGeom prst="rect">
-            <a:avLst/>
-          </a:prstGeom>
-          <a:noFill/>
-        </p:spPr>
-        <p:txBody>
-          <a:bodyPr wrap="none" rtlCol="0">
-            <a:spAutoFit/>
-          </a:bodyPr>
-          <a:lstStyle/>
-          <a:p>
-            <a:r>
-              <a:rPr lang="en-US" dirty="0" smtClean="0"/>
-              <a:t>Now the optimizer is trying to balance between two goals –</a:t>
-            </a:r>
-          </a:p>
-          <a:p>
-            <a:pPr marL="342900" indent="-342900">
-              <a:buAutoNum type="arabicPeriod"/>
-            </a:pPr>
-            <a:r>
-              <a:rPr lang="en-US" dirty="0" smtClean="0"/>
-              <a:t>Take the minimum time</a:t>
-            </a:r>
-          </a:p>
-          <a:p>
-            <a:pPr marL="342900" indent="-342900">
-              <a:buAutoNum type="arabicPeriod"/>
-            </a:pPr>
-            <a:r>
-              <a:rPr lang="en-US" dirty="0" smtClean="0"/>
-              <a:t>Use the smallest forces</a:t>
-            </a:r>
-            <a:endParaRPr lang="en-US" dirty="0"/>
-          </a:p>
-        </p:txBody>
-      </p:sp>
-    </p:spTree>
-    <p:extLst>
-      <p:ext uri="{BB962C8B-B14F-4D97-AF65-F5344CB8AC3E}">
-        <p14:creationId xmlns:p14="http://schemas.microsoft.com/office/powerpoint/2010/main" val="4032332146"/>
-      </p:ext>
-    </p:extLst>
-  </p:cSld>
-  <p:clrMapOvr>
-    <a:masterClrMapping/>
-  </p:clrMapOvr>
-</p:sld>
-</file>
-
 <file path=ppt/slides/slide14.xml><?xml version="1.0" encoding="utf-8"?>
 <p:sld xmlns:a="http://schemas.openxmlformats.org/drawingml/2006/main" xmlns:r="http://schemas.openxmlformats.org/officeDocument/2006/relationships" xmlns:p="http://schemas.openxmlformats.org/presentationml/2006/main">
   <p:cSld>
@@ -4172,7 +4137,7 @@
           <a:p>
             <a:r>
               <a:rPr lang="en-US" dirty="0" smtClean="0"/>
-              <a:t>Other options</a:t>
+              <a:t>Using the custom goal</a:t>
             </a:r>
             <a:endParaRPr lang="en-US" dirty="0"/>
           </a:p>
@@ -4180,7 +4145,7 @@
       </p:sp>
       <p:pic>
         <p:nvPicPr>
-          <p:cNvPr id="5" name="Picture 4"/>
+          <p:cNvPr id="4" name="Picture 3"/>
           <p:cNvPicPr>
             <a:picLocks noChangeAspect="1"/>
           </p:cNvPicPr>
@@ -4194,8 +4159,8 @@
         </p:blipFill>
         <p:spPr>
           <a:xfrm>
-            <a:off x="998612" y="1457591"/>
-            <a:ext cx="4424996" cy="1933572"/>
+            <a:off x="1073668" y="1621867"/>
+            <a:ext cx="3933948" cy="815735"/>
           </a:xfrm>
           <a:prstGeom prst="rect">
             <a:avLst/>
@@ -4204,14 +4169,14 @@
       </p:pic>
       <p:sp>
         <p:nvSpPr>
-          <p:cNvPr id="6" name="TextBox 5"/>
+          <p:cNvPr id="5" name="TextBox 4"/>
           <p:cNvSpPr txBox="1"/>
           <p:nvPr/>
         </p:nvSpPr>
         <p:spPr>
           <a:xfrm>
-            <a:off x="897067" y="3728240"/>
-            <a:ext cx="7118359" cy="646331"/>
+            <a:off x="1073668" y="2990440"/>
+            <a:ext cx="5759141" cy="923330"/>
           </a:xfrm>
           <a:prstGeom prst="rect">
             <a:avLst/>
@@ -4226,45 +4191,34 @@
           <a:p>
             <a:r>
               <a:rPr lang="en-US" dirty="0" smtClean="0"/>
-              <a:t>Minimize the speed of the block (this is the same as maximizing the time).</a:t>
-            </a:r>
-          </a:p>
-          <a:p>
-            <a:r>
-              <a:rPr lang="en-US" dirty="0" smtClean="0"/>
-              <a:t>Note: we aren’t using the integrator for this.</a:t>
-            </a:r>
-          </a:p>
-        </p:txBody>
-      </p:sp>
-      <p:pic>
-        <p:nvPicPr>
-          <p:cNvPr id="7" name="Picture 6"/>
-          <p:cNvPicPr>
-            <a:picLocks noChangeAspect="1"/>
-          </p:cNvPicPr>
-          <p:nvPr/>
-        </p:nvPicPr>
-        <p:blipFill>
-          <a:blip r:embed="rId3"/>
-          <a:stretch>
-            <a:fillRect/>
-          </a:stretch>
-        </p:blipFill>
-        <p:spPr>
-          <a:xfrm>
-            <a:off x="952663" y="4591848"/>
-            <a:ext cx="3587941" cy="800880"/>
-          </a:xfrm>
-          <a:prstGeom prst="rect">
-            <a:avLst/>
-          </a:prstGeom>
-        </p:spPr>
-      </p:pic>
+              <a:t>Now the optimizer is trying to balance between two goals –</a:t>
+            </a:r>
+          </a:p>
+          <a:p>
+            <a:pPr marL="342900" indent="-342900">
+              <a:buAutoNum type="arabicPeriod"/>
+            </a:pPr>
+            <a:r>
+              <a:rPr lang="en-US" dirty="0" smtClean="0"/>
+              <a:t>Take the minimum time</a:t>
+            </a:r>
+          </a:p>
+          <a:p>
+            <a:pPr marL="342900" indent="-342900">
+              <a:buAutoNum type="arabicPeriod"/>
+            </a:pPr>
+            <a:r>
+              <a:rPr lang="en-US" dirty="0" smtClean="0"/>
+              <a:t>Use the smallest forces</a:t>
+            </a:r>
+            <a:endParaRPr lang="en-US" dirty="0"/>
+          </a:p>
+        </p:txBody>
+      </p:sp>
     </p:spTree>
     <p:extLst>
       <p:ext uri="{BB962C8B-B14F-4D97-AF65-F5344CB8AC3E}">
-        <p14:creationId xmlns:p14="http://schemas.microsoft.com/office/powerpoint/2010/main" val="2826965097"/>
+        <p14:creationId xmlns:p14="http://schemas.microsoft.com/office/powerpoint/2010/main" val="4032332146"/>
       </p:ext>
     </p:extLst>
   </p:cSld>
@@ -4314,41 +4268,9 @@
           </a:p>
         </p:txBody>
       </p:sp>
-      <p:sp>
-        <p:nvSpPr>
-          <p:cNvPr id="6" name="TextBox 5"/>
-          <p:cNvSpPr txBox="1"/>
-          <p:nvPr/>
-        </p:nvSpPr>
-        <p:spPr>
-          <a:xfrm>
-            <a:off x="802879" y="1502464"/>
-            <a:ext cx="5420330" cy="646331"/>
-          </a:xfrm>
-          <a:prstGeom prst="rect">
-            <a:avLst/>
-          </a:prstGeom>
-          <a:noFill/>
-        </p:spPr>
-        <p:txBody>
-          <a:bodyPr wrap="none" rtlCol="0">
-            <a:spAutoFit/>
-          </a:bodyPr>
-          <a:lstStyle/>
-          <a:p>
-            <a:r>
-              <a:rPr lang="en-US" dirty="0" smtClean="0"/>
-              <a:t>Something made up without any physical significance -  </a:t>
-            </a:r>
-          </a:p>
-          <a:p>
-            <a:endParaRPr lang="en-US" dirty="0" smtClean="0"/>
-          </a:p>
-        </p:txBody>
-      </p:sp>
       <p:pic>
         <p:nvPicPr>
-          <p:cNvPr id="3" name="Picture 2"/>
+          <p:cNvPr id="5" name="Picture 4"/>
           <p:cNvPicPr>
             <a:picLocks noChangeAspect="1"/>
           </p:cNvPicPr>
@@ -4362,6 +4284,174 @@
         </p:blipFill>
         <p:spPr>
           <a:xfrm>
+            <a:off x="998612" y="1457591"/>
+            <a:ext cx="4424996" cy="1933572"/>
+          </a:xfrm>
+          <a:prstGeom prst="rect">
+            <a:avLst/>
+          </a:prstGeom>
+        </p:spPr>
+      </p:pic>
+      <p:sp>
+        <p:nvSpPr>
+          <p:cNvPr id="6" name="TextBox 5"/>
+          <p:cNvSpPr txBox="1"/>
+          <p:nvPr/>
+        </p:nvSpPr>
+        <p:spPr>
+          <a:xfrm>
+            <a:off x="897067" y="3728240"/>
+            <a:ext cx="7118359" cy="646331"/>
+          </a:xfrm>
+          <a:prstGeom prst="rect">
+            <a:avLst/>
+          </a:prstGeom>
+          <a:noFill/>
+        </p:spPr>
+        <p:txBody>
+          <a:bodyPr wrap="none" rtlCol="0">
+            <a:spAutoFit/>
+          </a:bodyPr>
+          <a:lstStyle/>
+          <a:p>
+            <a:r>
+              <a:rPr lang="en-US" dirty="0" smtClean="0"/>
+              <a:t>Minimize the speed of the block (this is the same as maximizing the time).</a:t>
+            </a:r>
+          </a:p>
+          <a:p>
+            <a:r>
+              <a:rPr lang="en-US" dirty="0" smtClean="0"/>
+              <a:t>Note: we aren’t using the integrator for this.</a:t>
+            </a:r>
+          </a:p>
+        </p:txBody>
+      </p:sp>
+      <p:pic>
+        <p:nvPicPr>
+          <p:cNvPr id="7" name="Picture 6"/>
+          <p:cNvPicPr>
+            <a:picLocks noChangeAspect="1"/>
+          </p:cNvPicPr>
+          <p:nvPr/>
+        </p:nvPicPr>
+        <p:blipFill>
+          <a:blip r:embed="rId3"/>
+          <a:stretch>
+            <a:fillRect/>
+          </a:stretch>
+        </p:blipFill>
+        <p:spPr>
+          <a:xfrm>
+            <a:off x="952663" y="4591848"/>
+            <a:ext cx="3587941" cy="800880"/>
+          </a:xfrm>
+          <a:prstGeom prst="rect">
+            <a:avLst/>
+          </a:prstGeom>
+        </p:spPr>
+      </p:pic>
+    </p:spTree>
+    <p:extLst>
+      <p:ext uri="{BB962C8B-B14F-4D97-AF65-F5344CB8AC3E}">
+        <p14:creationId xmlns:p14="http://schemas.microsoft.com/office/powerpoint/2010/main" val="2826965097"/>
+      </p:ext>
+    </p:extLst>
+  </p:cSld>
+  <p:clrMapOvr>
+    <a:masterClrMapping/>
+  </p:clrMapOvr>
+</p:sld>
+</file>
+
+<file path=ppt/slides/slide16.xml><?xml version="1.0" encoding="utf-8"?>
+<p:sld xmlns:a="http://schemas.openxmlformats.org/drawingml/2006/main" xmlns:r="http://schemas.openxmlformats.org/officeDocument/2006/relationships" xmlns:p="http://schemas.openxmlformats.org/presentationml/2006/main">
+  <p:cSld>
+    <p:spTree>
+      <p:nvGrpSpPr>
+        <p:cNvPr id="1" name=""/>
+        <p:cNvGrpSpPr/>
+        <p:nvPr/>
+      </p:nvGrpSpPr>
+      <p:grpSpPr>
+        <a:xfrm>
+          <a:off x="0" y="0"/>
+          <a:ext cx="0" cy="0"/>
+          <a:chOff x="0" y="0"/>
+          <a:chExt cx="0" cy="0"/>
+        </a:xfrm>
+      </p:grpSpPr>
+      <p:sp>
+        <p:nvSpPr>
+          <p:cNvPr id="2" name="Title 1"/>
+          <p:cNvSpPr>
+            <a:spLocks noGrp="1"/>
+          </p:cNvSpPr>
+          <p:nvPr>
+            <p:ph type="title"/>
+          </p:nvPr>
+        </p:nvSpPr>
+        <p:spPr/>
+        <p:txBody>
+          <a:bodyPr/>
+          <a:lstStyle/>
+          <a:p>
+            <a:r>
+              <a:rPr lang="en-US" dirty="0" smtClean="0"/>
+              <a:t>Other options</a:t>
+            </a:r>
+            <a:endParaRPr lang="en-US" dirty="0"/>
+          </a:p>
+        </p:txBody>
+      </p:sp>
+      <p:sp>
+        <p:nvSpPr>
+          <p:cNvPr id="6" name="TextBox 5"/>
+          <p:cNvSpPr txBox="1"/>
+          <p:nvPr/>
+        </p:nvSpPr>
+        <p:spPr>
+          <a:xfrm>
+            <a:off x="802879" y="1502464"/>
+            <a:ext cx="5420330" cy="646331"/>
+          </a:xfrm>
+          <a:prstGeom prst="rect">
+            <a:avLst/>
+          </a:prstGeom>
+          <a:noFill/>
+        </p:spPr>
+        <p:txBody>
+          <a:bodyPr wrap="none" rtlCol="0">
+            <a:spAutoFit/>
+          </a:bodyPr>
+          <a:lstStyle/>
+          <a:p>
+            <a:r>
+              <a:rPr lang="en-US" dirty="0" smtClean="0"/>
+              <a:t>Something made up without any physical significance -  </a:t>
+            </a:r>
+          </a:p>
+          <a:p>
+            <a:endParaRPr lang="en-US" dirty="0" smtClean="0"/>
+          </a:p>
+        </p:txBody>
+      </p:sp>
+      <p:pic>
+        <p:nvPicPr>
+          <p:cNvPr id="3" name="Picture 2"/>
+          <p:cNvPicPr>
+            <a:picLocks noChangeAspect="1"/>
+          </p:cNvPicPr>
+          <p:nvPr/>
+        </p:nvPicPr>
+        <p:blipFill>
+          <a:blip r:embed="rId2"/>
+          <a:stretch>
+            <a:fillRect/>
+          </a:stretch>
+        </p:blipFill>
+        <p:spPr>
+          <a:xfrm>
             <a:off x="897067" y="2148795"/>
             <a:ext cx="8199839" cy="1725038"/>
           </a:xfrm>
@@ -4370,8 +4460,8 @@
           </a:prstGeom>
         </p:spPr>
       </p:pic>
-      <mc:AlternateContent xmlns:mc="http://schemas.openxmlformats.org/markup-compatibility/2006">
-        <mc:Choice xmlns:a14="http://schemas.microsoft.com/office/drawing/2010/main" Requires="a14">
+      <mc:AlternateContent xmlns:mc="http://schemas.openxmlformats.org/markup-compatibility/2006" xmlns:a14="http://schemas.microsoft.com/office/drawing/2010/main">
+        <mc:Choice Requires="a14">
           <p:sp>
             <p:nvSpPr>
               <p:cNvPr id="4" name="Rectangle 3"/>
@@ -4603,7 +4693,7 @@
             </p:txBody>
           </p:sp>
         </mc:Choice>
-        <mc:Fallback>
+        <mc:Fallback xmlns="">
           <p:sp>
             <p:nvSpPr>
               <p:cNvPr id="4" name="Rectangle 3"/>
@@ -4721,7 +4811,7 @@
 </p:sld>
 </file>
 
-<file path=ppt/slides/slide16.xml><?xml version="1.0" encoding="utf-8"?>
+<file path=ppt/slides/slide17.xml><?xml version="1.0" encoding="utf-8"?>
 <p:sld xmlns:a="http://schemas.openxmlformats.org/drawingml/2006/main" xmlns:r="http://schemas.openxmlformats.org/officeDocument/2006/relationships" xmlns:p="http://schemas.openxmlformats.org/presentationml/2006/main">
   <p:cSld>
     <p:spTree>
@@ -4916,6 +5006,487 @@
     <p:extLst>
       <p:ext uri="{BB962C8B-B14F-4D97-AF65-F5344CB8AC3E}">
         <p14:creationId xmlns:p14="http://schemas.microsoft.com/office/powerpoint/2010/main" val="4139013668"/>
+      </p:ext>
+    </p:extLst>
+  </p:cSld>
+  <p:clrMapOvr>
+    <a:masterClrMapping/>
+  </p:clrMapOvr>
+</p:sld>
+</file>
+
+<file path=ppt/slides/slide18.xml><?xml version="1.0" encoding="utf-8"?>
+<p:sld xmlns:a="http://schemas.openxmlformats.org/drawingml/2006/main" xmlns:r="http://schemas.openxmlformats.org/officeDocument/2006/relationships" xmlns:p="http://schemas.openxmlformats.org/presentationml/2006/main">
+  <p:cSld>
+    <p:spTree>
+      <p:nvGrpSpPr>
+        <p:cNvPr id="1" name=""/>
+        <p:cNvGrpSpPr/>
+        <p:nvPr/>
+      </p:nvGrpSpPr>
+      <p:grpSpPr>
+        <a:xfrm>
+          <a:off x="0" y="0"/>
+          <a:ext cx="0" cy="0"/>
+          <a:chOff x="0" y="0"/>
+          <a:chExt cx="0" cy="0"/>
+        </a:xfrm>
+      </p:grpSpPr>
+      <p:sp>
+        <p:nvSpPr>
+          <p:cNvPr id="2" name="Title 1"/>
+          <p:cNvSpPr>
+            <a:spLocks noGrp="1"/>
+          </p:cNvSpPr>
+          <p:nvPr>
+            <p:ph type="title"/>
+          </p:nvPr>
+        </p:nvSpPr>
+        <p:spPr/>
+        <p:txBody>
+          <a:bodyPr/>
+          <a:lstStyle/>
+          <a:p>
+            <a:r>
+              <a:rPr lang="en-US" dirty="0" smtClean="0"/>
+              <a:t>Making libraries</a:t>
+            </a:r>
+            <a:endParaRPr lang="en-US" dirty="0"/>
+          </a:p>
+        </p:txBody>
+      </p:sp>
+      <p:sp>
+        <p:nvSpPr>
+          <p:cNvPr id="13" name="TextBox 12"/>
+          <p:cNvSpPr txBox="1"/>
+          <p:nvPr/>
+        </p:nvSpPr>
+        <p:spPr>
+          <a:xfrm>
+            <a:off x="902627" y="1856271"/>
+            <a:ext cx="8058745" cy="369332"/>
+          </a:xfrm>
+          <a:prstGeom prst="rect">
+            <a:avLst/>
+          </a:prstGeom>
+          <a:noFill/>
+        </p:spPr>
+        <p:txBody>
+          <a:bodyPr wrap="none" rtlCol="0">
+            <a:spAutoFit/>
+          </a:bodyPr>
+          <a:lstStyle/>
+          <a:p>
+            <a:r>
+              <a:rPr lang="en-US" dirty="0" smtClean="0"/>
+              <a:t>Goal: Making a library that could be used in </a:t>
+            </a:r>
+            <a:r>
+              <a:rPr lang="en-US" dirty="0" err="1" smtClean="0"/>
+              <a:t>Matlab</a:t>
+            </a:r>
+            <a:r>
+              <a:rPr lang="en-US" dirty="0" smtClean="0"/>
+              <a:t> (maybe, possibly, in the future?)</a:t>
+            </a:r>
+            <a:endParaRPr lang="en-US" dirty="0"/>
+          </a:p>
+        </p:txBody>
+      </p:sp>
+      <p:pic>
+        <p:nvPicPr>
+          <p:cNvPr id="14" name="Picture 13"/>
+          <p:cNvPicPr>
+            <a:picLocks noChangeAspect="1"/>
+          </p:cNvPicPr>
+          <p:nvPr/>
+        </p:nvPicPr>
+        <p:blipFill>
+          <a:blip r:embed="rId2"/>
+          <a:stretch>
+            <a:fillRect/>
+          </a:stretch>
+        </p:blipFill>
+        <p:spPr>
+          <a:xfrm>
+            <a:off x="794759" y="2918961"/>
+            <a:ext cx="4182059" cy="1781424"/>
+          </a:xfrm>
+          <a:prstGeom prst="rect">
+            <a:avLst/>
+          </a:prstGeom>
+        </p:spPr>
+      </p:pic>
+      <p:sp>
+        <p:nvSpPr>
+          <p:cNvPr id="15" name="Rectangle 14"/>
+          <p:cNvSpPr/>
+          <p:nvPr/>
+        </p:nvSpPr>
+        <p:spPr>
+          <a:xfrm>
+            <a:off x="869323" y="3499110"/>
+            <a:ext cx="4256025" cy="868818"/>
+          </a:xfrm>
+          <a:prstGeom prst="rect">
+            <a:avLst/>
+          </a:prstGeom>
+          <a:noFill/>
+          <a:ln w="28575"/>
+        </p:spPr>
+        <p:style>
+          <a:lnRef idx="2">
+            <a:schemeClr val="accent1">
+              <a:shade val="50000"/>
+            </a:schemeClr>
+          </a:lnRef>
+          <a:fillRef idx="1">
+            <a:schemeClr val="accent1"/>
+          </a:fillRef>
+          <a:effectRef idx="0">
+            <a:schemeClr val="accent1"/>
+          </a:effectRef>
+          <a:fontRef idx="minor">
+            <a:schemeClr val="lt1"/>
+          </a:fontRef>
+        </p:style>
+        <p:txBody>
+          <a:bodyPr rtlCol="0" anchor="ctr"/>
+          <a:lstStyle/>
+          <a:p>
+            <a:pPr algn="ctr"/>
+            <a:endParaRPr lang="en-US"/>
+          </a:p>
+        </p:txBody>
+      </p:sp>
+      <p:sp>
+        <p:nvSpPr>
+          <p:cNvPr id="16" name="TextBox 15"/>
+          <p:cNvSpPr txBox="1"/>
+          <p:nvPr/>
+        </p:nvSpPr>
+        <p:spPr>
+          <a:xfrm>
+            <a:off x="7111127" y="3748853"/>
+            <a:ext cx="2476960" cy="369332"/>
+          </a:xfrm>
+          <a:prstGeom prst="rect">
+            <a:avLst/>
+          </a:prstGeom>
+          <a:noFill/>
+        </p:spPr>
+        <p:txBody>
+          <a:bodyPr wrap="none" rtlCol="0">
+            <a:spAutoFit/>
+          </a:bodyPr>
+          <a:lstStyle/>
+          <a:p>
+            <a:r>
+              <a:rPr lang="en-US" dirty="0" smtClean="0"/>
+              <a:t>We need some new files</a:t>
+            </a:r>
+            <a:endParaRPr lang="en-US" dirty="0"/>
+          </a:p>
+        </p:txBody>
+      </p:sp>
+      <p:cxnSp>
+        <p:nvCxnSpPr>
+          <p:cNvPr id="18" name="Straight Arrow Connector 17"/>
+          <p:cNvCxnSpPr/>
+          <p:nvPr/>
+        </p:nvCxnSpPr>
+        <p:spPr>
+          <a:xfrm>
+            <a:off x="5219536" y="3933519"/>
+            <a:ext cx="1828800" cy="0"/>
+          </a:xfrm>
+          <a:prstGeom prst="straightConnector1">
+            <a:avLst/>
+          </a:prstGeom>
+          <a:ln>
+            <a:tailEnd type="triangle"/>
+          </a:ln>
+        </p:spPr>
+        <p:style>
+          <a:lnRef idx="1">
+            <a:schemeClr val="accent1"/>
+          </a:lnRef>
+          <a:fillRef idx="0">
+            <a:schemeClr val="accent1"/>
+          </a:fillRef>
+          <a:effectRef idx="0">
+            <a:schemeClr val="accent1"/>
+          </a:effectRef>
+          <a:fontRef idx="minor">
+            <a:schemeClr val="tx1"/>
+          </a:fontRef>
+        </p:style>
+      </p:cxnSp>
+    </p:spTree>
+    <p:extLst>
+      <p:ext uri="{BB962C8B-B14F-4D97-AF65-F5344CB8AC3E}">
+        <p14:creationId xmlns:p14="http://schemas.microsoft.com/office/powerpoint/2010/main" val="499759330"/>
+      </p:ext>
+    </p:extLst>
+  </p:cSld>
+  <p:clrMapOvr>
+    <a:masterClrMapping/>
+  </p:clrMapOvr>
+</p:sld>
+</file>
+
+<file path=ppt/slides/slide19.xml><?xml version="1.0" encoding="utf-8"?>
+<p:sld xmlns:a="http://schemas.openxmlformats.org/drawingml/2006/main" xmlns:r="http://schemas.openxmlformats.org/officeDocument/2006/relationships" xmlns:p="http://schemas.openxmlformats.org/presentationml/2006/main">
+  <p:cSld>
+    <p:spTree>
+      <p:nvGrpSpPr>
+        <p:cNvPr id="1" name=""/>
+        <p:cNvGrpSpPr/>
+        <p:nvPr/>
+      </p:nvGrpSpPr>
+      <p:grpSpPr>
+        <a:xfrm>
+          <a:off x="0" y="0"/>
+          <a:ext cx="0" cy="0"/>
+          <a:chOff x="0" y="0"/>
+          <a:chExt cx="0" cy="0"/>
+        </a:xfrm>
+      </p:grpSpPr>
+      <p:pic>
+        <p:nvPicPr>
+          <p:cNvPr id="17" name="Picture 16"/>
+          <p:cNvPicPr>
+            <a:picLocks noChangeAspect="1"/>
+          </p:cNvPicPr>
+          <p:nvPr/>
+        </p:nvPicPr>
+        <p:blipFill rotWithShape="1">
+          <a:blip r:embed="rId2"/>
+          <a:srcRect r="4945"/>
+          <a:stretch/>
+        </p:blipFill>
+        <p:spPr>
+          <a:xfrm>
+            <a:off x="4193946" y="3027450"/>
+            <a:ext cx="3510396" cy="1888563"/>
+          </a:xfrm>
+          <a:prstGeom prst="rect">
+            <a:avLst/>
+          </a:prstGeom>
+        </p:spPr>
+      </p:pic>
+      <p:sp>
+        <p:nvSpPr>
+          <p:cNvPr id="2" name="Title 1"/>
+          <p:cNvSpPr>
+            <a:spLocks noGrp="1"/>
+          </p:cNvSpPr>
+          <p:nvPr>
+            <p:ph type="title"/>
+          </p:nvPr>
+        </p:nvSpPr>
+        <p:spPr/>
+        <p:txBody>
+          <a:bodyPr/>
+          <a:lstStyle/>
+          <a:p>
+            <a:r>
+              <a:rPr lang="en-US" dirty="0" smtClean="0"/>
+              <a:t>What’s in the new files?</a:t>
+            </a:r>
+            <a:endParaRPr lang="en-US" dirty="0"/>
+          </a:p>
+        </p:txBody>
+      </p:sp>
+      <p:pic>
+        <p:nvPicPr>
+          <p:cNvPr id="4" name="Picture 3"/>
+          <p:cNvPicPr>
+            <a:picLocks noChangeAspect="1"/>
+          </p:cNvPicPr>
+          <p:nvPr/>
+        </p:nvPicPr>
+        <p:blipFill>
+          <a:blip r:embed="rId3"/>
+          <a:stretch>
+            <a:fillRect/>
+          </a:stretch>
+        </p:blipFill>
+        <p:spPr>
+          <a:xfrm>
+            <a:off x="7930791" y="3027450"/>
+            <a:ext cx="3838675" cy="2548054"/>
+          </a:xfrm>
+          <a:prstGeom prst="rect">
+            <a:avLst/>
+          </a:prstGeom>
+        </p:spPr>
+      </p:pic>
+      <p:sp>
+        <p:nvSpPr>
+          <p:cNvPr id="6" name="TextBox 5"/>
+          <p:cNvSpPr txBox="1"/>
+          <p:nvPr/>
+        </p:nvSpPr>
+        <p:spPr>
+          <a:xfrm>
+            <a:off x="745649" y="1805071"/>
+            <a:ext cx="8638327" cy="923330"/>
+          </a:xfrm>
+          <a:prstGeom prst="rect">
+            <a:avLst/>
+          </a:prstGeom>
+          <a:noFill/>
+        </p:spPr>
+        <p:txBody>
+          <a:bodyPr wrap="none" rtlCol="0">
+            <a:spAutoFit/>
+          </a:bodyPr>
+          <a:lstStyle/>
+          <a:p>
+            <a:r>
+              <a:rPr lang="en-US" dirty="0" smtClean="0"/>
+              <a:t>Mostly bookkeeping</a:t>
+            </a:r>
+          </a:p>
+          <a:p>
+            <a:endParaRPr lang="en-US" dirty="0" smtClean="0"/>
+          </a:p>
+          <a:p>
+            <a:r>
+              <a:rPr lang="en-US" dirty="0" smtClean="0"/>
+              <a:t>All you have to do is change the names according to your new custom goal file a few times.</a:t>
+            </a:r>
+            <a:endParaRPr lang="en-US" dirty="0"/>
+          </a:p>
+        </p:txBody>
+      </p:sp>
+      <p:pic>
+        <p:nvPicPr>
+          <p:cNvPr id="7" name="Picture 6"/>
+          <p:cNvPicPr>
+            <a:picLocks noChangeAspect="1"/>
+          </p:cNvPicPr>
+          <p:nvPr/>
+        </p:nvPicPr>
+        <p:blipFill rotWithShape="1">
+          <a:blip r:embed="rId4"/>
+          <a:srcRect r="7938"/>
+          <a:stretch/>
+        </p:blipFill>
+        <p:spPr>
+          <a:xfrm>
+            <a:off x="760589" y="3027450"/>
+            <a:ext cx="3222742" cy="1632334"/>
+          </a:xfrm>
+          <a:prstGeom prst="rect">
+            <a:avLst/>
+          </a:prstGeom>
+        </p:spPr>
+      </p:pic>
+      <p:cxnSp>
+        <p:nvCxnSpPr>
+          <p:cNvPr id="11" name="Straight Arrow Connector 10"/>
+          <p:cNvCxnSpPr/>
+          <p:nvPr/>
+        </p:nvCxnSpPr>
+        <p:spPr>
+          <a:xfrm flipH="1" flipV="1">
+            <a:off x="3865597" y="3359341"/>
+            <a:ext cx="328350" cy="3924"/>
+          </a:xfrm>
+          <a:prstGeom prst="straightConnector1">
+            <a:avLst/>
+          </a:prstGeom>
+          <a:ln>
+            <a:tailEnd type="triangle"/>
+          </a:ln>
+        </p:spPr>
+        <p:style>
+          <a:lnRef idx="1">
+            <a:schemeClr val="accent1"/>
+          </a:lnRef>
+          <a:fillRef idx="0">
+            <a:schemeClr val="accent1"/>
+          </a:fillRef>
+          <a:effectRef idx="0">
+            <a:schemeClr val="accent1"/>
+          </a:effectRef>
+          <a:fontRef idx="minor">
+            <a:schemeClr val="tx1"/>
+          </a:fontRef>
+        </p:style>
+      </p:cxnSp>
+      <p:cxnSp>
+        <p:nvCxnSpPr>
+          <p:cNvPr id="12" name="Straight Arrow Connector 11"/>
+          <p:cNvCxnSpPr/>
+          <p:nvPr/>
+        </p:nvCxnSpPr>
+        <p:spPr>
+          <a:xfrm flipH="1" flipV="1">
+            <a:off x="7477894" y="3190589"/>
+            <a:ext cx="452898" cy="3266"/>
+          </a:xfrm>
+          <a:prstGeom prst="straightConnector1">
+            <a:avLst/>
+          </a:prstGeom>
+          <a:ln>
+            <a:tailEnd type="triangle"/>
+          </a:ln>
+        </p:spPr>
+        <p:style>
+          <a:lnRef idx="1">
+            <a:schemeClr val="accent1"/>
+          </a:lnRef>
+          <a:fillRef idx="0">
+            <a:schemeClr val="accent1"/>
+          </a:fillRef>
+          <a:effectRef idx="0">
+            <a:schemeClr val="accent1"/>
+          </a:effectRef>
+          <a:fontRef idx="minor">
+            <a:schemeClr val="tx1"/>
+          </a:fontRef>
+        </p:style>
+      </p:cxnSp>
+      <p:cxnSp>
+        <p:nvCxnSpPr>
+          <p:cNvPr id="14" name="Straight Arrow Connector 13"/>
+          <p:cNvCxnSpPr/>
+          <p:nvPr/>
+        </p:nvCxnSpPr>
+        <p:spPr>
+          <a:xfrm>
+            <a:off x="7075808" y="2621542"/>
+            <a:ext cx="1224432" cy="405908"/>
+          </a:xfrm>
+          <a:prstGeom prst="straightConnector1">
+            <a:avLst/>
+          </a:prstGeom>
+          <a:ln>
+            <a:tailEnd type="triangle"/>
+          </a:ln>
+        </p:spPr>
+        <p:style>
+          <a:lnRef idx="1">
+            <a:schemeClr val="accent1"/>
+          </a:lnRef>
+          <a:fillRef idx="0">
+            <a:schemeClr val="accent1"/>
+          </a:fillRef>
+          <a:effectRef idx="0">
+            <a:schemeClr val="accent1"/>
+          </a:effectRef>
+          <a:fontRef idx="minor">
+            <a:schemeClr val="tx1"/>
+          </a:fontRef>
+        </p:style>
+      </p:cxnSp>
+    </p:spTree>
+    <p:extLst>
+      <p:ext uri="{BB962C8B-B14F-4D97-AF65-F5344CB8AC3E}">
+        <p14:creationId xmlns:p14="http://schemas.microsoft.com/office/powerpoint/2010/main" val="2277945985"/>
       </p:ext>
     </p:extLst>
   </p:cSld>
@@ -4993,7 +5564,11 @@
             <a:pPr lvl="1"/>
             <a:r>
               <a:rPr lang="en-US" dirty="0" smtClean="0"/>
-              <a:t>https://simtk.org/frs/?group_id=91</a:t>
+              <a:t>https://simtk.org/frs/?</a:t>
+            </a:r>
+            <a:r>
+              <a:rPr lang="en-US" dirty="0" smtClean="0"/>
+              <a:t>group_id=91</a:t>
             </a:r>
           </a:p>
           <a:p>
@@ -5016,15 +5591,30 @@
           <a:p>
             <a:r>
               <a:rPr lang="en-US" dirty="0" smtClean="0"/>
-              <a:t>Visual Studio (community) 16 or more recent</a:t>
+              <a:t>Visual Studio (community) 16 or more recent.</a:t>
             </a:r>
           </a:p>
           <a:p>
             <a:pPr lvl="1"/>
             <a:r>
-              <a:rPr lang="en-US" dirty="0" smtClean="0"/>
+              <a:rPr lang="en-US" dirty="0" smtClean="0">
+                <a:hlinkClick r:id="rId2"/>
+              </a:rPr>
               <a:t>https://visualstudio.microsoft.com/downloads/</a:t>
             </a:r>
+            <a:endParaRPr lang="en-US" dirty="0" smtClean="0"/>
+          </a:p>
+          <a:p>
+            <a:pPr lvl="1"/>
+            <a:r>
+              <a:rPr lang="en-US" dirty="0" smtClean="0"/>
+              <a:t>Make sure you get the Desktop development tools for </a:t>
+            </a:r>
+            <a:r>
+              <a:rPr lang="en-US" dirty="0" err="1" smtClean="0"/>
+              <a:t>c++</a:t>
+            </a:r>
+            <a:endParaRPr lang="en-US" dirty="0" smtClean="0"/>
           </a:p>
           <a:p>
             <a:r>
@@ -5062,6 +5652,601 @@
     <p:extLst>
       <p:ext uri="{BB962C8B-B14F-4D97-AF65-F5344CB8AC3E}">
         <p14:creationId xmlns:p14="http://schemas.microsoft.com/office/powerpoint/2010/main" val="1752936358"/>
+      </p:ext>
+    </p:extLst>
+  </p:cSld>
+  <p:clrMapOvr>
+    <a:masterClrMapping/>
+  </p:clrMapOvr>
+</p:sld>
+</file>
+
+<file path=ppt/slides/slide20.xml><?xml version="1.0" encoding="utf-8"?>
+<p:sld xmlns:a="http://schemas.openxmlformats.org/drawingml/2006/main" xmlns:r="http://schemas.openxmlformats.org/officeDocument/2006/relationships" xmlns:p="http://schemas.openxmlformats.org/presentationml/2006/main">
+  <p:cSld>
+    <p:spTree>
+      <p:nvGrpSpPr>
+        <p:cNvPr id="1" name=""/>
+        <p:cNvGrpSpPr/>
+        <p:nvPr/>
+      </p:nvGrpSpPr>
+      <p:grpSpPr>
+        <a:xfrm>
+          <a:off x="0" y="0"/>
+          <a:ext cx="0" cy="0"/>
+          <a:chOff x="0" y="0"/>
+          <a:chExt cx="0" cy="0"/>
+        </a:xfrm>
+      </p:grpSpPr>
+      <p:sp>
+        <p:nvSpPr>
+          <p:cNvPr id="2" name="Title 1"/>
+          <p:cNvSpPr>
+            <a:spLocks noGrp="1"/>
+          </p:cNvSpPr>
+          <p:nvPr>
+            <p:ph type="title"/>
+          </p:nvPr>
+        </p:nvSpPr>
+        <p:spPr/>
+        <p:txBody>
+          <a:bodyPr/>
+          <a:lstStyle/>
+          <a:p>
+            <a:r>
+              <a:rPr lang="en-US" dirty="0"/>
+              <a:t>Make lists get more complicated</a:t>
+            </a:r>
+            <a:endParaRPr lang="en-US" dirty="0"/>
+          </a:p>
+        </p:txBody>
+      </p:sp>
+      <p:pic>
+        <p:nvPicPr>
+          <p:cNvPr id="4" name="Picture 3"/>
+          <p:cNvPicPr>
+            <a:picLocks noChangeAspect="1"/>
+          </p:cNvPicPr>
+          <p:nvPr/>
+        </p:nvPicPr>
+        <p:blipFill>
+          <a:blip r:embed="rId2"/>
+          <a:stretch>
+            <a:fillRect/>
+          </a:stretch>
+        </p:blipFill>
+        <p:spPr>
+          <a:xfrm>
+            <a:off x="6515931" y="1915942"/>
+            <a:ext cx="4174309" cy="4365134"/>
+          </a:xfrm>
+          <a:prstGeom prst="rect">
+            <a:avLst/>
+          </a:prstGeom>
+        </p:spPr>
+      </p:pic>
+      <p:pic>
+        <p:nvPicPr>
+          <p:cNvPr id="11" name="Picture 10"/>
+          <p:cNvPicPr>
+            <a:picLocks noChangeAspect="1"/>
+          </p:cNvPicPr>
+          <p:nvPr/>
+        </p:nvPicPr>
+        <p:blipFill>
+          <a:blip r:embed="rId3"/>
+          <a:stretch>
+            <a:fillRect/>
+          </a:stretch>
+        </p:blipFill>
+        <p:spPr>
+          <a:xfrm>
+            <a:off x="804760" y="1790359"/>
+            <a:ext cx="3871882" cy="3223293"/>
+          </a:xfrm>
+          <a:prstGeom prst="rect">
+            <a:avLst/>
+          </a:prstGeom>
+        </p:spPr>
+      </p:pic>
+      <p:sp>
+        <p:nvSpPr>
+          <p:cNvPr id="6" name="Rectangle 5"/>
+          <p:cNvSpPr/>
+          <p:nvPr/>
+        </p:nvSpPr>
+        <p:spPr>
+          <a:xfrm>
+            <a:off x="6439461" y="2982593"/>
+            <a:ext cx="4256025" cy="1769932"/>
+          </a:xfrm>
+          <a:prstGeom prst="rect">
+            <a:avLst/>
+          </a:prstGeom>
+          <a:noFill/>
+          <a:ln w="28575"/>
+        </p:spPr>
+        <p:style>
+          <a:lnRef idx="2">
+            <a:schemeClr val="accent1">
+              <a:shade val="50000"/>
+            </a:schemeClr>
+          </a:lnRef>
+          <a:fillRef idx="1">
+            <a:schemeClr val="accent1"/>
+          </a:fillRef>
+          <a:effectRef idx="0">
+            <a:schemeClr val="accent1"/>
+          </a:effectRef>
+          <a:fontRef idx="minor">
+            <a:schemeClr val="lt1"/>
+          </a:fontRef>
+        </p:style>
+        <p:txBody>
+          <a:bodyPr rtlCol="0" anchor="ctr"/>
+          <a:lstStyle/>
+          <a:p>
+            <a:pPr algn="ctr"/>
+            <a:endParaRPr lang="en-US"/>
+          </a:p>
+        </p:txBody>
+      </p:sp>
+      <p:sp>
+        <p:nvSpPr>
+          <p:cNvPr id="8" name="Rectangle 7"/>
+          <p:cNvSpPr/>
+          <p:nvPr/>
+        </p:nvSpPr>
+        <p:spPr>
+          <a:xfrm>
+            <a:off x="8422568" y="4996142"/>
+            <a:ext cx="1722170" cy="164528"/>
+          </a:xfrm>
+          <a:prstGeom prst="rect">
+            <a:avLst/>
+          </a:prstGeom>
+          <a:noFill/>
+          <a:ln w="28575"/>
+        </p:spPr>
+        <p:style>
+          <a:lnRef idx="2">
+            <a:schemeClr val="accent1">
+              <a:shade val="50000"/>
+            </a:schemeClr>
+          </a:lnRef>
+          <a:fillRef idx="1">
+            <a:schemeClr val="accent1"/>
+          </a:fillRef>
+          <a:effectRef idx="0">
+            <a:schemeClr val="accent1"/>
+          </a:effectRef>
+          <a:fontRef idx="minor">
+            <a:schemeClr val="lt1"/>
+          </a:fontRef>
+        </p:style>
+        <p:txBody>
+          <a:bodyPr rtlCol="0" anchor="ctr"/>
+          <a:lstStyle/>
+          <a:p>
+            <a:pPr algn="ctr"/>
+            <a:endParaRPr lang="en-US"/>
+          </a:p>
+        </p:txBody>
+      </p:sp>
+      <p:cxnSp>
+        <p:nvCxnSpPr>
+          <p:cNvPr id="5" name="Straight Arrow Connector 4"/>
+          <p:cNvCxnSpPr/>
+          <p:nvPr/>
+        </p:nvCxnSpPr>
+        <p:spPr>
+          <a:xfrm>
+            <a:off x="10109416" y="3123873"/>
+            <a:ext cx="31395" cy="1872269"/>
+          </a:xfrm>
+          <a:prstGeom prst="straightConnector1">
+            <a:avLst/>
+          </a:prstGeom>
+          <a:ln>
+            <a:tailEnd type="triangle"/>
+          </a:ln>
+        </p:spPr>
+        <p:style>
+          <a:lnRef idx="1">
+            <a:schemeClr val="accent1"/>
+          </a:lnRef>
+          <a:fillRef idx="0">
+            <a:schemeClr val="accent1"/>
+          </a:fillRef>
+          <a:effectRef idx="0">
+            <a:schemeClr val="accent1"/>
+          </a:effectRef>
+          <a:fontRef idx="minor">
+            <a:schemeClr val="tx1"/>
+          </a:fontRef>
+        </p:style>
+      </p:cxnSp>
+      <p:cxnSp>
+        <p:nvCxnSpPr>
+          <p:cNvPr id="14" name="Straight Connector 13"/>
+          <p:cNvCxnSpPr/>
+          <p:nvPr/>
+        </p:nvCxnSpPr>
+        <p:spPr>
+          <a:xfrm flipV="1">
+            <a:off x="9222489" y="3127802"/>
+            <a:ext cx="886927" cy="11773"/>
+          </a:xfrm>
+          <a:prstGeom prst="line">
+            <a:avLst/>
+          </a:prstGeom>
+        </p:spPr>
+        <p:style>
+          <a:lnRef idx="1">
+            <a:schemeClr val="accent1"/>
+          </a:lnRef>
+          <a:fillRef idx="0">
+            <a:schemeClr val="accent1"/>
+          </a:fillRef>
+          <a:effectRef idx="0">
+            <a:schemeClr val="accent1"/>
+          </a:effectRef>
+          <a:fontRef idx="minor">
+            <a:schemeClr val="tx1"/>
+          </a:fontRef>
+        </p:style>
+      </p:cxnSp>
+    </p:spTree>
+    <p:extLst>
+      <p:ext uri="{BB962C8B-B14F-4D97-AF65-F5344CB8AC3E}">
+        <p14:creationId xmlns:p14="http://schemas.microsoft.com/office/powerpoint/2010/main" val="2931237528"/>
+      </p:ext>
+    </p:extLst>
+  </p:cSld>
+  <p:clrMapOvr>
+    <a:masterClrMapping/>
+  </p:clrMapOvr>
+</p:sld>
+</file>
+
+<file path=ppt/slides/slide21.xml><?xml version="1.0" encoding="utf-8"?>
+<p:sld xmlns:a="http://schemas.openxmlformats.org/drawingml/2006/main" xmlns:r="http://schemas.openxmlformats.org/officeDocument/2006/relationships" xmlns:p="http://schemas.openxmlformats.org/presentationml/2006/main">
+  <p:cSld>
+    <p:spTree>
+      <p:nvGrpSpPr>
+        <p:cNvPr id="1" name=""/>
+        <p:cNvGrpSpPr/>
+        <p:nvPr/>
+      </p:nvGrpSpPr>
+      <p:grpSpPr>
+        <a:xfrm>
+          <a:off x="0" y="0"/>
+          <a:ext cx="0" cy="0"/>
+          <a:chOff x="0" y="0"/>
+          <a:chExt cx="0" cy="0"/>
+        </a:xfrm>
+      </p:grpSpPr>
+      <p:sp>
+        <p:nvSpPr>
+          <p:cNvPr id="2" name="Title 1"/>
+          <p:cNvSpPr>
+            <a:spLocks noGrp="1"/>
+          </p:cNvSpPr>
+          <p:nvPr>
+            <p:ph type="title"/>
+          </p:nvPr>
+        </p:nvSpPr>
+        <p:spPr/>
+        <p:txBody>
+          <a:bodyPr/>
+          <a:lstStyle/>
+          <a:p>
+            <a:r>
+              <a:rPr lang="en-US" dirty="0" smtClean="0"/>
+              <a:t>The rest is still the same</a:t>
+            </a:r>
+            <a:endParaRPr lang="en-US" dirty="0"/>
+          </a:p>
+        </p:txBody>
+      </p:sp>
+      <p:pic>
+        <p:nvPicPr>
+          <p:cNvPr id="5" name="Picture 4"/>
+          <p:cNvPicPr>
+            <a:picLocks noChangeAspect="1"/>
+          </p:cNvPicPr>
+          <p:nvPr/>
+        </p:nvPicPr>
+        <p:blipFill>
+          <a:blip r:embed="rId2"/>
+          <a:stretch>
+            <a:fillRect/>
+          </a:stretch>
+        </p:blipFill>
+        <p:spPr>
+          <a:xfrm>
+            <a:off x="976015" y="2443420"/>
+            <a:ext cx="10239970" cy="2368110"/>
+          </a:xfrm>
+          <a:prstGeom prst="rect">
+            <a:avLst/>
+          </a:prstGeom>
+        </p:spPr>
+      </p:pic>
+    </p:spTree>
+    <p:extLst>
+      <p:ext uri="{BB962C8B-B14F-4D97-AF65-F5344CB8AC3E}">
+        <p14:creationId xmlns:p14="http://schemas.microsoft.com/office/powerpoint/2010/main" val="540415760"/>
+      </p:ext>
+    </p:extLst>
+  </p:cSld>
+  <p:clrMapOvr>
+    <a:masterClrMapping/>
+  </p:clrMapOvr>
+</p:sld>
+</file>
+
+<file path=ppt/slides/slide22.xml><?xml version="1.0" encoding="utf-8"?>
+<p:sld xmlns:a="http://schemas.openxmlformats.org/drawingml/2006/main" xmlns:r="http://schemas.openxmlformats.org/officeDocument/2006/relationships" xmlns:p="http://schemas.openxmlformats.org/presentationml/2006/main">
+  <p:cSld>
+    <p:spTree>
+      <p:nvGrpSpPr>
+        <p:cNvPr id="1" name=""/>
+        <p:cNvGrpSpPr/>
+        <p:nvPr/>
+      </p:nvGrpSpPr>
+      <p:grpSpPr>
+        <a:xfrm>
+          <a:off x="0" y="0"/>
+          <a:ext cx="0" cy="0"/>
+          <a:chOff x="0" y="0"/>
+          <a:chExt cx="0" cy="0"/>
+        </a:xfrm>
+      </p:grpSpPr>
+      <p:sp>
+        <p:nvSpPr>
+          <p:cNvPr id="2" name="Title 1"/>
+          <p:cNvSpPr>
+            <a:spLocks noGrp="1"/>
+          </p:cNvSpPr>
+          <p:nvPr>
+            <p:ph type="title"/>
+          </p:nvPr>
+        </p:nvSpPr>
+        <p:spPr/>
+        <p:txBody>
+          <a:bodyPr/>
+          <a:lstStyle/>
+          <a:p>
+            <a:r>
+              <a:rPr lang="en-US" dirty="0" smtClean="0"/>
+              <a:t>What’s the benefit?</a:t>
+            </a:r>
+            <a:endParaRPr lang="en-US" dirty="0"/>
+          </a:p>
+        </p:txBody>
+      </p:sp>
+      <p:sp>
+        <p:nvSpPr>
+          <p:cNvPr id="3" name="Content Placeholder 2"/>
+          <p:cNvSpPr>
+            <a:spLocks noGrp="1"/>
+          </p:cNvSpPr>
+          <p:nvPr>
+            <p:ph idx="1"/>
+          </p:nvPr>
+        </p:nvSpPr>
+        <p:spPr/>
+        <p:txBody>
+          <a:bodyPr>
+            <a:normAutofit/>
+          </a:bodyPr>
+          <a:lstStyle/>
+          <a:p>
+            <a:r>
+              <a:rPr lang="en-US" sz="1800" dirty="0" smtClean="0"/>
+              <a:t>Not much right now – </a:t>
+            </a:r>
+            <a:r>
+              <a:rPr lang="en-US" sz="1800" dirty="0" err="1"/>
+              <a:t>M</a:t>
+            </a:r>
+            <a:r>
+              <a:rPr lang="en-US" sz="1800" dirty="0" err="1" smtClean="0"/>
+              <a:t>atlab</a:t>
+            </a:r>
+            <a:r>
+              <a:rPr lang="en-US" sz="1800" dirty="0" smtClean="0"/>
+              <a:t> needs java wrappers for </a:t>
+            </a:r>
+            <a:r>
+              <a:rPr lang="en-US" sz="1800" dirty="0" err="1" smtClean="0"/>
+              <a:t>dlls</a:t>
+            </a:r>
+            <a:r>
+              <a:rPr lang="en-US" sz="1800" dirty="0" smtClean="0"/>
+              <a:t> to use them.</a:t>
+            </a:r>
+          </a:p>
+          <a:p>
+            <a:r>
+              <a:rPr lang="en-US" sz="1800" dirty="0" smtClean="0"/>
+              <a:t>However, you can now run a pre-made study (.</a:t>
+            </a:r>
+            <a:r>
+              <a:rPr lang="en-US" sz="1800" dirty="0" err="1" smtClean="0"/>
+              <a:t>omoco</a:t>
+            </a:r>
+            <a:r>
+              <a:rPr lang="en-US" sz="1800" dirty="0" smtClean="0"/>
+              <a:t>) using </a:t>
+            </a:r>
+            <a:r>
+              <a:rPr lang="en-US" sz="1800" dirty="0" err="1"/>
+              <a:t>M</a:t>
+            </a:r>
+            <a:r>
+              <a:rPr lang="en-US" sz="1800" dirty="0" err="1" smtClean="0"/>
+              <a:t>atlab</a:t>
+            </a:r>
+            <a:r>
+              <a:rPr lang="en-US" sz="1800" dirty="0" smtClean="0"/>
+              <a:t>.</a:t>
+            </a:r>
+          </a:p>
+          <a:p>
+            <a:endParaRPr lang="en-US" sz="1800" dirty="0" smtClean="0"/>
+          </a:p>
+          <a:p>
+            <a:pPr marL="0" indent="0">
+              <a:buNone/>
+            </a:pPr>
+            <a:r>
+              <a:rPr lang="en-US" sz="1800" dirty="0" smtClean="0"/>
+              <a:t>First load your library into </a:t>
+            </a:r>
+            <a:r>
+              <a:rPr lang="en-US" sz="1800" dirty="0" err="1"/>
+              <a:t>M</a:t>
+            </a:r>
+            <a:r>
+              <a:rPr lang="en-US" sz="1800" dirty="0" err="1" smtClean="0"/>
+              <a:t>atlab</a:t>
+            </a:r>
+            <a:r>
+              <a:rPr lang="en-US" sz="1800" dirty="0" smtClean="0"/>
+              <a:t> – </a:t>
+            </a:r>
+          </a:p>
+          <a:p>
+            <a:pPr marL="0" indent="0">
+              <a:buNone/>
+            </a:pPr>
+            <a:endParaRPr lang="en-US" sz="1800" dirty="0"/>
+          </a:p>
+          <a:p>
+            <a:pPr marL="0" indent="0">
+              <a:buNone/>
+            </a:pPr>
+            <a:endParaRPr lang="en-US" sz="1800" dirty="0"/>
+          </a:p>
+          <a:p>
+            <a:pPr marL="0" indent="0">
+              <a:buNone/>
+            </a:pPr>
+            <a:endParaRPr lang="en-US" sz="1800" dirty="0" smtClean="0"/>
+          </a:p>
+          <a:p>
+            <a:pPr marL="0" indent="0">
+              <a:buNone/>
+            </a:pPr>
+            <a:r>
+              <a:rPr lang="en-US" sz="1800" dirty="0" smtClean="0"/>
+              <a:t>Then run your study.</a:t>
+            </a:r>
+          </a:p>
+          <a:p>
+            <a:pPr marL="0" indent="0">
+              <a:buNone/>
+            </a:pPr>
+            <a:endParaRPr lang="en-US" sz="1800" dirty="0"/>
+          </a:p>
+          <a:p>
+            <a:pPr marL="0" indent="0">
+              <a:buNone/>
+            </a:pPr>
+            <a:r>
+              <a:rPr lang="en-US" sz="1800" dirty="0" smtClean="0"/>
+              <a:t>Without the </a:t>
+            </a:r>
+            <a:r>
+              <a:rPr lang="en-US" sz="1800" dirty="0" err="1" smtClean="0"/>
+              <a:t>dll</a:t>
+            </a:r>
+            <a:r>
+              <a:rPr lang="en-US" sz="1800" dirty="0" smtClean="0"/>
+              <a:t> - </a:t>
+            </a:r>
+            <a:endParaRPr lang="en-US" sz="1800" dirty="0"/>
+          </a:p>
+        </p:txBody>
+      </p:sp>
+      <p:pic>
+        <p:nvPicPr>
+          <p:cNvPr id="5" name="Picture 4"/>
+          <p:cNvPicPr>
+            <a:picLocks noChangeAspect="1"/>
+          </p:cNvPicPr>
+          <p:nvPr/>
+        </p:nvPicPr>
+        <p:blipFill>
+          <a:blip r:embed="rId2"/>
+          <a:stretch>
+            <a:fillRect/>
+          </a:stretch>
+        </p:blipFill>
+        <p:spPr>
+          <a:xfrm>
+            <a:off x="939799" y="3347957"/>
+            <a:ext cx="9342295" cy="1066541"/>
+          </a:xfrm>
+          <a:prstGeom prst="rect">
+            <a:avLst/>
+          </a:prstGeom>
+        </p:spPr>
+      </p:pic>
+      <p:pic>
+        <p:nvPicPr>
+          <p:cNvPr id="8" name="Picture 7"/>
+          <p:cNvPicPr>
+            <a:picLocks noChangeAspect="1"/>
+          </p:cNvPicPr>
+          <p:nvPr/>
+        </p:nvPicPr>
+        <p:blipFill>
+          <a:blip r:embed="rId3"/>
+          <a:stretch>
+            <a:fillRect/>
+          </a:stretch>
+        </p:blipFill>
+        <p:spPr>
+          <a:xfrm>
+            <a:off x="1092853" y="4708744"/>
+            <a:ext cx="7976145" cy="371628"/>
+          </a:xfrm>
+          <a:prstGeom prst="rect">
+            <a:avLst/>
+          </a:prstGeom>
+        </p:spPr>
+      </p:pic>
+      <p:pic>
+        <p:nvPicPr>
+          <p:cNvPr id="9" name="Picture 8"/>
+          <p:cNvPicPr>
+            <a:picLocks noChangeAspect="1"/>
+          </p:cNvPicPr>
+          <p:nvPr/>
+        </p:nvPicPr>
+        <p:blipFill>
+          <a:blip r:embed="rId4"/>
+          <a:stretch>
+            <a:fillRect/>
+          </a:stretch>
+        </p:blipFill>
+        <p:spPr>
+          <a:xfrm>
+            <a:off x="939799" y="5548136"/>
+            <a:ext cx="9930528" cy="295781"/>
+          </a:xfrm>
+          <a:prstGeom prst="rect">
+            <a:avLst/>
+          </a:prstGeom>
+        </p:spPr>
+      </p:pic>
+    </p:spTree>
+    <p:extLst>
+      <p:ext uri="{BB962C8B-B14F-4D97-AF65-F5344CB8AC3E}">
+        <p14:creationId xmlns:p14="http://schemas.microsoft.com/office/powerpoint/2010/main" val="1461519954"/>
       </p:ext>
     </p:extLst>
   </p:cSld>
@@ -5521,21 +6706,13 @@
           <a:p>
             <a:r>
               <a:rPr lang="en-US" dirty="0" smtClean="0"/>
-              <a:t>Initial position is 0, </a:t>
-            </a:r>
-            <a:r>
-              <a:rPr lang="en-US" dirty="0" smtClean="0"/>
-              <a:t>Final position is 1</a:t>
-            </a:r>
-          </a:p>
-          <a:p>
-            <a:r>
-              <a:rPr lang="en-US" dirty="0" smtClean="0"/>
-              <a:t>Initial speed is 0, </a:t>
-            </a:r>
-            <a:r>
-              <a:rPr lang="en-US" dirty="0" smtClean="0"/>
-              <a:t>Final speed is 0</a:t>
+              <a:t>Initial position is 0, Final position is 1</a:t>
+            </a:r>
+          </a:p>
+          <a:p>
+            <a:r>
+              <a:rPr lang="en-US" dirty="0" smtClean="0"/>
+              <a:t>Initial speed is 0, Final speed is 0</a:t>
             </a:r>
           </a:p>
           <a:p>
@@ -5795,7 +6972,6 @@
               <a:rPr lang="en-US" dirty="0"/>
               <a:t>=</a:t>
             </a:r>
-            <a:endParaRPr lang="en-US" dirty="0"/>
           </a:p>
         </p:txBody>
       </p:sp>
@@ -6169,7 +7345,50 @@
           <a:p>
             <a:r>
               <a:rPr lang="en-US" dirty="0" smtClean="0"/>
-              <a:t>Open the solution file and build it</a:t>
+              <a:t>Once you’ve edited your make list</a:t>
+            </a:r>
+            <a:endParaRPr lang="en-US" dirty="0"/>
+          </a:p>
+        </p:txBody>
+      </p:sp>
+      <p:sp>
+        <p:nvSpPr>
+          <p:cNvPr id="3" name="Content Placeholder 2"/>
+          <p:cNvSpPr>
+            <a:spLocks noGrp="1"/>
+          </p:cNvSpPr>
+          <p:nvPr>
+            <p:ph idx="1"/>
+          </p:nvPr>
+        </p:nvSpPr>
+        <p:spPr/>
+        <p:txBody>
+          <a:bodyPr/>
+          <a:lstStyle/>
+          <a:p>
+            <a:r>
+              <a:rPr lang="en-US" dirty="0" smtClean="0"/>
+              <a:t>Configure and generate your </a:t>
+            </a:r>
+            <a:r>
+              <a:rPr lang="en-US" dirty="0" err="1" smtClean="0"/>
+              <a:t>makefile</a:t>
+            </a:r>
+            <a:r>
+              <a:rPr lang="en-US" dirty="0" smtClean="0"/>
+              <a:t>.</a:t>
+            </a:r>
+          </a:p>
+          <a:p>
+            <a:r>
+              <a:rPr lang="en-US" dirty="0" smtClean="0"/>
+              <a:t>Common problems – folder names, visual studio version.</a:t>
+            </a:r>
+          </a:p>
+          <a:p>
+            <a:r>
+              <a:rPr lang="en-US" dirty="0" smtClean="0"/>
+              <a:t>This will generate a solution file for visual studio</a:t>
             </a:r>
             <a:endParaRPr lang="en-US" dirty="0"/>
           </a:p>
@@ -6191,8 +7410,8 @@
         </p:blipFill>
         <p:spPr>
           <a:xfrm>
-            <a:off x="895764" y="1690688"/>
-            <a:ext cx="4047591" cy="1540671"/>
+            <a:off x="1646338" y="3446673"/>
+            <a:ext cx="2266354" cy="2730290"/>
           </a:xfrm>
           <a:prstGeom prst="rect">
             <a:avLst/>
@@ -6207,14 +7426,18 @@
         </p:nvSpPr>
         <p:spPr>
           <a:xfrm>
-            <a:off x="930098" y="2735351"/>
-            <a:ext cx="1240130" cy="137358"/>
+            <a:off x="1646338" y="5553116"/>
+            <a:ext cx="2121147" cy="196223"/>
           </a:xfrm>
           <a:prstGeom prst="rect">
             <a:avLst/>
           </a:prstGeom>
           <a:noFill/>
-          <a:ln w="28575"/>
+          <a:ln w="19050">
+            <a:solidFill>
+              <a:srgbClr val="FF0000"/>
+            </a:solidFill>
+          </a:ln>
         </p:spPr>
         <p:style>
           <a:lnRef idx="2">
@@ -6241,166 +7464,10 @@
           </a:p>
         </p:txBody>
       </p:sp>
-      <p:pic>
-        <p:nvPicPr>
-          <p:cNvPr id="11" name="Picture 10"/>
-          <p:cNvPicPr>
-            <a:picLocks noChangeAspect="1"/>
-          </p:cNvPicPr>
-          <p:nvPr/>
-        </p:nvPicPr>
-        <p:blipFill>
-          <a:blip r:embed="rId3"/>
-          <a:stretch>
-            <a:fillRect/>
-          </a:stretch>
-        </p:blipFill>
-        <p:spPr>
-          <a:xfrm>
-            <a:off x="930098" y="3304516"/>
-            <a:ext cx="5806208" cy="2456595"/>
-          </a:xfrm>
-          <a:prstGeom prst="rect">
-            <a:avLst/>
-          </a:prstGeom>
-        </p:spPr>
-      </p:pic>
-      <p:sp>
-        <p:nvSpPr>
-          <p:cNvPr id="9" name="Rectangle 8"/>
-          <p:cNvSpPr/>
-          <p:nvPr/>
-        </p:nvSpPr>
-        <p:spPr>
-          <a:xfrm>
-            <a:off x="2260491" y="3450708"/>
-            <a:ext cx="341428" cy="138012"/>
-          </a:xfrm>
-          <a:prstGeom prst="rect">
-            <a:avLst/>
-          </a:prstGeom>
-          <a:noFill/>
-          <a:ln w="28575"/>
-        </p:spPr>
-        <p:style>
-          <a:lnRef idx="2">
-            <a:schemeClr val="accent1">
-              <a:shade val="50000"/>
-            </a:schemeClr>
-          </a:lnRef>
-          <a:fillRef idx="1">
-            <a:schemeClr val="accent1"/>
-          </a:fillRef>
-          <a:effectRef idx="0">
-            <a:schemeClr val="accent1"/>
-          </a:effectRef>
-          <a:fontRef idx="minor">
-            <a:schemeClr val="lt1"/>
-          </a:fontRef>
-        </p:style>
-        <p:txBody>
-          <a:bodyPr rtlCol="0" anchor="ctr"/>
-          <a:lstStyle/>
-          <a:p>
-            <a:pPr algn="ctr"/>
-            <a:endParaRPr lang="en-US"/>
-          </a:p>
-        </p:txBody>
-      </p:sp>
-      <p:pic>
-        <p:nvPicPr>
-          <p:cNvPr id="13" name="Picture 12"/>
-          <p:cNvPicPr>
-            <a:picLocks noChangeAspect="1"/>
-          </p:cNvPicPr>
-          <p:nvPr/>
-        </p:nvPicPr>
-        <p:blipFill>
-          <a:blip r:embed="rId4"/>
-          <a:stretch>
-            <a:fillRect/>
-          </a:stretch>
-        </p:blipFill>
-        <p:spPr>
-          <a:xfrm>
-            <a:off x="7825004" y="2318559"/>
-            <a:ext cx="3000695" cy="2264298"/>
-          </a:xfrm>
-          <a:prstGeom prst="rect">
-            <a:avLst/>
-          </a:prstGeom>
-        </p:spPr>
-      </p:pic>
-      <p:sp>
-        <p:nvSpPr>
-          <p:cNvPr id="14" name="Rectangle 13"/>
-          <p:cNvSpPr/>
-          <p:nvPr/>
-        </p:nvSpPr>
-        <p:spPr>
-          <a:xfrm>
-            <a:off x="7893749" y="2559333"/>
-            <a:ext cx="2863204" cy="133836"/>
-          </a:xfrm>
-          <a:prstGeom prst="rect">
-            <a:avLst/>
-          </a:prstGeom>
-          <a:noFill/>
-          <a:ln w="28575"/>
-        </p:spPr>
-        <p:style>
-          <a:lnRef idx="2">
-            <a:schemeClr val="accent1">
-              <a:shade val="50000"/>
-            </a:schemeClr>
-          </a:lnRef>
-          <a:fillRef idx="1">
-            <a:schemeClr val="accent1"/>
-          </a:fillRef>
-          <a:effectRef idx="0">
-            <a:schemeClr val="accent1"/>
-          </a:effectRef>
-          <a:fontRef idx="minor">
-            <a:schemeClr val="lt1"/>
-          </a:fontRef>
-        </p:style>
-        <p:txBody>
-          <a:bodyPr rtlCol="0" anchor="ctr"/>
-          <a:lstStyle/>
-          <a:p>
-            <a:pPr algn="ctr"/>
-            <a:endParaRPr lang="en-US"/>
-          </a:p>
-        </p:txBody>
-      </p:sp>
-      <p:pic>
-        <p:nvPicPr>
-          <p:cNvPr id="15" name="Picture 14"/>
-          <p:cNvPicPr>
-            <a:picLocks noChangeAspect="1"/>
-          </p:cNvPicPr>
-          <p:nvPr/>
-        </p:nvPicPr>
-        <p:blipFill>
-          <a:blip r:embed="rId5"/>
-          <a:stretch>
-            <a:fillRect/>
-          </a:stretch>
-        </p:blipFill>
-        <p:spPr>
-          <a:xfrm>
-            <a:off x="7058393" y="4774860"/>
-            <a:ext cx="5133607" cy="589489"/>
-          </a:xfrm>
-          <a:prstGeom prst="rect">
-            <a:avLst/>
-          </a:prstGeom>
-        </p:spPr>
-      </p:pic>
     </p:spTree>
     <p:extLst>
       <p:ext uri="{BB962C8B-B14F-4D97-AF65-F5344CB8AC3E}">
-        <p14:creationId xmlns:p14="http://schemas.microsoft.com/office/powerpoint/2010/main" val="368180454"/>
+        <p14:creationId xmlns:p14="http://schemas.microsoft.com/office/powerpoint/2010/main" val="4234226999"/>
       </p:ext>
     </p:extLst>
   </p:cSld>
@@ -6444,7 +7511,7 @@
           <a:p>
             <a:r>
               <a:rPr lang="en-US" dirty="0" smtClean="0"/>
-              <a:t>Run the executable</a:t>
+              <a:t>Open the solution file and build it</a:t>
             </a:r>
             <a:endParaRPr lang="en-US" dirty="0"/>
           </a:p>
@@ -6452,7 +7519,7 @@
       </p:sp>
       <p:pic>
         <p:nvPicPr>
-          <p:cNvPr id="5" name="Picture 4"/>
+          <p:cNvPr id="4" name="Picture 3"/>
           <p:cNvPicPr>
             <a:picLocks noChangeAspect="1"/>
           </p:cNvPicPr>
@@ -6466,17 +7533,59 @@
         </p:blipFill>
         <p:spPr>
           <a:xfrm>
-            <a:off x="974882" y="1568886"/>
-            <a:ext cx="4746620" cy="2469387"/>
+            <a:off x="895764" y="1690688"/>
+            <a:ext cx="4047591" cy="1540671"/>
           </a:xfrm>
           <a:prstGeom prst="rect">
             <a:avLst/>
           </a:prstGeom>
         </p:spPr>
       </p:pic>
+      <p:sp>
+        <p:nvSpPr>
+          <p:cNvPr id="5" name="Rectangle 4"/>
+          <p:cNvSpPr/>
+          <p:nvPr/>
+        </p:nvSpPr>
+        <p:spPr>
+          <a:xfrm>
+            <a:off x="930098" y="2735351"/>
+            <a:ext cx="1240130" cy="137358"/>
+          </a:xfrm>
+          <a:prstGeom prst="rect">
+            <a:avLst/>
+          </a:prstGeom>
+          <a:noFill/>
+          <a:ln w="28575"/>
+        </p:spPr>
+        <p:style>
+          <a:lnRef idx="2">
+            <a:schemeClr val="accent1">
+              <a:shade val="50000"/>
+            </a:schemeClr>
+          </a:lnRef>
+          <a:fillRef idx="1">
+            <a:schemeClr val="accent1"/>
+          </a:fillRef>
+          <a:effectRef idx="0">
+            <a:schemeClr val="accent1"/>
+          </a:effectRef>
+          <a:fontRef idx="minor">
+            <a:schemeClr val="lt1"/>
+          </a:fontRef>
+        </p:style>
+        <p:txBody>
+          <a:bodyPr rtlCol="0" anchor="ctr"/>
+          <a:lstStyle/>
+          <a:p>
+            <a:pPr algn="ctr"/>
+            <a:endParaRPr lang="en-US"/>
+          </a:p>
+        </p:txBody>
+      </p:sp>
       <p:pic>
         <p:nvPicPr>
-          <p:cNvPr id="6" name="Picture 5"/>
+          <p:cNvPr id="11" name="Picture 10"/>
           <p:cNvPicPr>
             <a:picLocks noChangeAspect="1"/>
           </p:cNvPicPr>
@@ -6490,18 +7599,216 @@
         </p:blipFill>
         <p:spPr>
           <a:xfrm>
-            <a:off x="6027139" y="1612055"/>
-            <a:ext cx="5495086" cy="1705545"/>
+            <a:off x="930098" y="3304516"/>
+            <a:ext cx="5806208" cy="2456595"/>
           </a:xfrm>
           <a:prstGeom prst="rect">
             <a:avLst/>
           </a:prstGeom>
         </p:spPr>
       </p:pic>
+      <p:sp>
+        <p:nvSpPr>
+          <p:cNvPr id="9" name="Rectangle 8"/>
+          <p:cNvSpPr/>
+          <p:nvPr/>
+        </p:nvSpPr>
+        <p:spPr>
+          <a:xfrm>
+            <a:off x="2260491" y="3450708"/>
+            <a:ext cx="341428" cy="138012"/>
+          </a:xfrm>
+          <a:prstGeom prst="rect">
+            <a:avLst/>
+          </a:prstGeom>
+          <a:noFill/>
+          <a:ln w="28575"/>
+        </p:spPr>
+        <p:style>
+          <a:lnRef idx="2">
+            <a:schemeClr val="accent1">
+              <a:shade val="50000"/>
+            </a:schemeClr>
+          </a:lnRef>
+          <a:fillRef idx="1">
+            <a:schemeClr val="accent1"/>
+          </a:fillRef>
+          <a:effectRef idx="0">
+            <a:schemeClr val="accent1"/>
+          </a:effectRef>
+          <a:fontRef idx="minor">
+            <a:schemeClr val="lt1"/>
+          </a:fontRef>
+        </p:style>
+        <p:txBody>
+          <a:bodyPr rtlCol="0" anchor="ctr"/>
+          <a:lstStyle/>
+          <a:p>
+            <a:pPr algn="ctr"/>
+            <a:endParaRPr lang="en-US"/>
+          </a:p>
+        </p:txBody>
+      </p:sp>
+      <p:pic>
+        <p:nvPicPr>
+          <p:cNvPr id="13" name="Picture 12"/>
+          <p:cNvPicPr>
+            <a:picLocks noChangeAspect="1"/>
+          </p:cNvPicPr>
+          <p:nvPr/>
+        </p:nvPicPr>
+        <p:blipFill>
+          <a:blip r:embed="rId4"/>
+          <a:stretch>
+            <a:fillRect/>
+          </a:stretch>
+        </p:blipFill>
+        <p:spPr>
+          <a:xfrm>
+            <a:off x="7825004" y="2318559"/>
+            <a:ext cx="3000695" cy="2264298"/>
+          </a:xfrm>
+          <a:prstGeom prst="rect">
+            <a:avLst/>
+          </a:prstGeom>
+        </p:spPr>
+      </p:pic>
+      <p:sp>
+        <p:nvSpPr>
+          <p:cNvPr id="14" name="Rectangle 13"/>
+          <p:cNvSpPr/>
+          <p:nvPr/>
+        </p:nvSpPr>
+        <p:spPr>
+          <a:xfrm>
+            <a:off x="7893749" y="2559333"/>
+            <a:ext cx="2863204" cy="133836"/>
+          </a:xfrm>
+          <a:prstGeom prst="rect">
+            <a:avLst/>
+          </a:prstGeom>
+          <a:noFill/>
+          <a:ln w="28575"/>
+        </p:spPr>
+        <p:style>
+          <a:lnRef idx="2">
+            <a:schemeClr val="accent1">
+              <a:shade val="50000"/>
+            </a:schemeClr>
+          </a:lnRef>
+          <a:fillRef idx="1">
+            <a:schemeClr val="accent1"/>
+          </a:fillRef>
+          <a:effectRef idx="0">
+            <a:schemeClr val="accent1"/>
+          </a:effectRef>
+          <a:fontRef idx="minor">
+            <a:schemeClr val="lt1"/>
+          </a:fontRef>
+        </p:style>
+        <p:txBody>
+          <a:bodyPr rtlCol="0" anchor="ctr"/>
+          <a:lstStyle/>
+          <a:p>
+            <a:pPr algn="ctr"/>
+            <a:endParaRPr lang="en-US"/>
+          </a:p>
+        </p:txBody>
+      </p:sp>
+      <p:pic>
+        <p:nvPicPr>
+          <p:cNvPr id="15" name="Picture 14"/>
+          <p:cNvPicPr>
+            <a:picLocks noChangeAspect="1"/>
+          </p:cNvPicPr>
+          <p:nvPr/>
+        </p:nvPicPr>
+        <p:blipFill>
+          <a:blip r:embed="rId5"/>
+          <a:stretch>
+            <a:fillRect/>
+          </a:stretch>
+        </p:blipFill>
+        <p:spPr>
+          <a:xfrm>
+            <a:off x="7058393" y="4774860"/>
+            <a:ext cx="5133607" cy="589489"/>
+          </a:xfrm>
+          <a:prstGeom prst="rect">
+            <a:avLst/>
+          </a:prstGeom>
+        </p:spPr>
+      </p:pic>
+      <p:cxnSp>
+        <p:nvCxnSpPr>
+          <p:cNvPr id="7" name="Straight Arrow Connector 6"/>
+          <p:cNvCxnSpPr/>
+          <p:nvPr/>
+        </p:nvCxnSpPr>
+        <p:spPr>
+          <a:xfrm>
+            <a:off x="1903365" y="2904103"/>
+            <a:ext cx="443464" cy="580821"/>
+          </a:xfrm>
+          <a:prstGeom prst="straightConnector1">
+            <a:avLst/>
+          </a:prstGeom>
+          <a:ln>
+            <a:tailEnd type="triangle"/>
+          </a:ln>
+        </p:spPr>
+        <p:style>
+          <a:lnRef idx="1">
+            <a:schemeClr val="accent1"/>
+          </a:lnRef>
+          <a:fillRef idx="0">
+            <a:schemeClr val="accent1"/>
+          </a:fillRef>
+          <a:effectRef idx="0">
+            <a:schemeClr val="accent1"/>
+          </a:effectRef>
+          <a:fontRef idx="minor">
+            <a:schemeClr val="tx1"/>
+          </a:fontRef>
+        </p:style>
+      </p:cxnSp>
+      <p:cxnSp>
+        <p:nvCxnSpPr>
+          <p:cNvPr id="12" name="Straight Arrow Connector 11"/>
+          <p:cNvCxnSpPr/>
+          <p:nvPr/>
+        </p:nvCxnSpPr>
+        <p:spPr>
+          <a:xfrm flipV="1">
+            <a:off x="2611694" y="2626251"/>
+            <a:ext cx="5241158" cy="894778"/>
+          </a:xfrm>
+          <a:prstGeom prst="straightConnector1">
+            <a:avLst/>
+          </a:prstGeom>
+          <a:ln>
+            <a:tailEnd type="triangle"/>
+          </a:ln>
+        </p:spPr>
+        <p:style>
+          <a:lnRef idx="1">
+            <a:schemeClr val="accent1"/>
+          </a:lnRef>
+          <a:fillRef idx="0">
+            <a:schemeClr val="accent1"/>
+          </a:fillRef>
+          <a:effectRef idx="0">
+            <a:schemeClr val="accent1"/>
+          </a:effectRef>
+          <a:fontRef idx="minor">
+            <a:schemeClr val="tx1"/>
+          </a:fontRef>
+        </p:style>
+      </p:cxnSp>
     </p:spTree>
     <p:extLst>
       <p:ext uri="{BB962C8B-B14F-4D97-AF65-F5344CB8AC3E}">
-        <p14:creationId xmlns:p14="http://schemas.microsoft.com/office/powerpoint/2010/main" val="2119396084"/>
+        <p14:creationId xmlns:p14="http://schemas.microsoft.com/office/powerpoint/2010/main" val="368180454"/>
       </p:ext>
     </p:extLst>
   </p:cSld>
@@ -6545,7 +7852,7 @@
           <a:p>
             <a:r>
               <a:rPr lang="en-US" dirty="0" smtClean="0"/>
-              <a:t>Success?</a:t>
+              <a:t>Run the executable</a:t>
             </a:r>
             <a:endParaRPr lang="en-US" dirty="0"/>
           </a:p>
@@ -6553,13 +7860,11 @@
       </p:sp>
       <p:pic>
         <p:nvPicPr>
-          <p:cNvPr id="4" name="Content Placeholder 3"/>
+          <p:cNvPr id="5" name="Picture 4"/>
           <p:cNvPicPr>
-            <a:picLocks noGrp="1" noChangeAspect="1"/>
+            <a:picLocks noChangeAspect="1"/>
           </p:cNvPicPr>
-          <p:nvPr>
-            <p:ph idx="1"/>
-          </p:nvPr>
+          <p:nvPr/>
         </p:nvPicPr>
         <p:blipFill>
           <a:blip r:embed="rId2"/>
@@ -6569,8 +7874,32 @@
         </p:blipFill>
         <p:spPr>
           <a:xfrm>
-            <a:off x="838200" y="2251992"/>
-            <a:ext cx="10515600" cy="3498603"/>
+            <a:off x="974882" y="1568886"/>
+            <a:ext cx="4746620" cy="2469387"/>
+          </a:xfrm>
+          <a:prstGeom prst="rect">
+            <a:avLst/>
+          </a:prstGeom>
+        </p:spPr>
+      </p:pic>
+      <p:pic>
+        <p:nvPicPr>
+          <p:cNvPr id="6" name="Picture 5"/>
+          <p:cNvPicPr>
+            <a:picLocks noChangeAspect="1"/>
+          </p:cNvPicPr>
+          <p:nvPr/>
+        </p:nvPicPr>
+        <p:blipFill>
+          <a:blip r:embed="rId3"/>
+          <a:stretch>
+            <a:fillRect/>
+          </a:stretch>
+        </p:blipFill>
+        <p:spPr>
+          <a:xfrm>
+            <a:off x="6027139" y="1612055"/>
+            <a:ext cx="5495086" cy="1705545"/>
           </a:xfrm>
           <a:prstGeom prst="rect">
             <a:avLst/>
@@ -6580,7 +7909,7 @@
     </p:spTree>
     <p:extLst>
       <p:ext uri="{BB962C8B-B14F-4D97-AF65-F5344CB8AC3E}">
-        <p14:creationId xmlns:p14="http://schemas.microsoft.com/office/powerpoint/2010/main" val="779062170"/>
+        <p14:creationId xmlns:p14="http://schemas.microsoft.com/office/powerpoint/2010/main" val="2119396084"/>
       </p:ext>
     </p:extLst>
   </p:cSld>
